--- a/Characterisation/ElectrodeSweeps/Figures/ChristmasData.pptx
+++ b/Characterisation/ElectrodeSweeps/Figures/ChristmasData.pptx
@@ -6,15 +6,24 @@
   </p:sldMasterIdLst>
   <p:sldIdLst>
     <p:sldId id="256" r:id="rId2"/>
-    <p:sldId id="258" r:id="rId3"/>
-    <p:sldId id="259" r:id="rId4"/>
-    <p:sldId id="261" r:id="rId5"/>
-    <p:sldId id="262" r:id="rId6"/>
-    <p:sldId id="263" r:id="rId7"/>
-    <p:sldId id="264" r:id="rId8"/>
-    <p:sldId id="260" r:id="rId9"/>
-    <p:sldId id="257" r:id="rId10"/>
-    <p:sldId id="265" r:id="rId11"/>
+    <p:sldId id="268" r:id="rId3"/>
+    <p:sldId id="269" r:id="rId4"/>
+    <p:sldId id="270" r:id="rId5"/>
+    <p:sldId id="271" r:id="rId6"/>
+    <p:sldId id="266" r:id="rId7"/>
+    <p:sldId id="267" r:id="rId8"/>
+    <p:sldId id="272" r:id="rId9"/>
+    <p:sldId id="274" r:id="rId10"/>
+    <p:sldId id="258" r:id="rId11"/>
+    <p:sldId id="259" r:id="rId12"/>
+    <p:sldId id="261" r:id="rId13"/>
+    <p:sldId id="273" r:id="rId14"/>
+    <p:sldId id="262" r:id="rId15"/>
+    <p:sldId id="263" r:id="rId16"/>
+    <p:sldId id="264" r:id="rId17"/>
+    <p:sldId id="260" r:id="rId18"/>
+    <p:sldId id="257" r:id="rId19"/>
+    <p:sldId id="265" r:id="rId20"/>
   </p:sldIdLst>
   <p:sldSz cx="12192000" cy="6858000"/>
   <p:notesSz cx="6858000" cy="9144000"/>
@@ -121,6 +130,515 @@
 </p:presentation>
 </file>
 
+<file path=ppt/revisionInfo.xml><?xml version="1.0" encoding="utf-8"?>
+<p1510:revInfo xmlns:a="http://schemas.openxmlformats.org/drawingml/2006/main" xmlns:r="http://schemas.openxmlformats.org/officeDocument/2006/relationships" xmlns:p1510="http://schemas.microsoft.com/office/powerpoint/2015/10/main">
+  <p1510:revLst>
+    <p1510:client id="{27FD78A3-4539-4683-AD32-86E3F452B1DC}" v="23" dt="2024-01-17T15:33:14.998"/>
+  </p1510:revLst>
+</p1510:revInfo>
+</file>
+
+<file path=ppt/changesInfos/changesInfo1.xml><?xml version="1.0" encoding="utf-8"?>
+<pc:chgInfo xmlns:a="http://schemas.openxmlformats.org/drawingml/2006/main" xmlns:r="http://schemas.openxmlformats.org/officeDocument/2006/relationships" xmlns:ac="http://schemas.microsoft.com/office/drawing/2013/main/command" xmlns:pc="http://schemas.microsoft.com/office/powerpoint/2013/main/command">
+  <pc:docChgLst>
+    <pc:chgData name="David Hardman" userId="25dc0ef6-7b36-4b30-a7ad-8f7f71a3f84a" providerId="ADAL" clId="{27FD78A3-4539-4683-AD32-86E3F452B1DC}"/>
+    <pc:docChg chg="undo custSel addSld modSld sldOrd">
+      <pc:chgData name="David Hardman" userId="25dc0ef6-7b36-4b30-a7ad-8f7f71a3f84a" providerId="ADAL" clId="{27FD78A3-4539-4683-AD32-86E3F452B1DC}" dt="2024-01-17T15:33:27.200" v="1253" actId="1076"/>
+      <pc:docMkLst>
+        <pc:docMk/>
+      </pc:docMkLst>
+      <pc:sldChg chg="addSp delSp modSp new mod">
+        <pc:chgData name="David Hardman" userId="25dc0ef6-7b36-4b30-a7ad-8f7f71a3f84a" providerId="ADAL" clId="{27FD78A3-4539-4683-AD32-86E3F452B1DC}" dt="2024-01-17T12:24:15.006" v="301" actId="20577"/>
+        <pc:sldMkLst>
+          <pc:docMk/>
+          <pc:sldMk cId="421309694" sldId="266"/>
+        </pc:sldMkLst>
+        <pc:spChg chg="del">
+          <ac:chgData name="David Hardman" userId="25dc0ef6-7b36-4b30-a7ad-8f7f71a3f84a" providerId="ADAL" clId="{27FD78A3-4539-4683-AD32-86E3F452B1DC}" dt="2024-01-17T12:11:43.330" v="1" actId="478"/>
+          <ac:spMkLst>
+            <pc:docMk/>
+            <pc:sldMk cId="421309694" sldId="266"/>
+            <ac:spMk id="2" creationId="{3412FDC0-8A7A-F34A-ACBA-842A1F187C26}"/>
+          </ac:spMkLst>
+        </pc:spChg>
+        <pc:spChg chg="del">
+          <ac:chgData name="David Hardman" userId="25dc0ef6-7b36-4b30-a7ad-8f7f71a3f84a" providerId="ADAL" clId="{27FD78A3-4539-4683-AD32-86E3F452B1DC}" dt="2024-01-17T12:11:44.109" v="2" actId="478"/>
+          <ac:spMkLst>
+            <pc:docMk/>
+            <pc:sldMk cId="421309694" sldId="266"/>
+            <ac:spMk id="3" creationId="{2ABC75D7-7453-825D-0BAF-145F804E04F1}"/>
+          </ac:spMkLst>
+        </pc:spChg>
+        <pc:spChg chg="add mod">
+          <ac:chgData name="David Hardman" userId="25dc0ef6-7b36-4b30-a7ad-8f7f71a3f84a" providerId="ADAL" clId="{27FD78A3-4539-4683-AD32-86E3F452B1DC}" dt="2024-01-17T12:13:26.324" v="118" actId="20577"/>
+          <ac:spMkLst>
+            <pc:docMk/>
+            <pc:sldMk cId="421309694" sldId="266"/>
+            <ac:spMk id="8" creationId="{B0A34F8E-EF6B-6C2A-C4C5-D4396A27B293}"/>
+          </ac:spMkLst>
+        </pc:spChg>
+        <pc:spChg chg="add mod">
+          <ac:chgData name="David Hardman" userId="25dc0ef6-7b36-4b30-a7ad-8f7f71a3f84a" providerId="ADAL" clId="{27FD78A3-4539-4683-AD32-86E3F452B1DC}" dt="2024-01-17T12:24:10.440" v="279" actId="1076"/>
+          <ac:spMkLst>
+            <pc:docMk/>
+            <pc:sldMk cId="421309694" sldId="266"/>
+            <ac:spMk id="9" creationId="{465DED23-5C8B-90A8-C40B-8EE442DCF0C7}"/>
+          </ac:spMkLst>
+        </pc:spChg>
+        <pc:spChg chg="add mod">
+          <ac:chgData name="David Hardman" userId="25dc0ef6-7b36-4b30-a7ad-8f7f71a3f84a" providerId="ADAL" clId="{27FD78A3-4539-4683-AD32-86E3F452B1DC}" dt="2024-01-17T12:24:15.006" v="301" actId="20577"/>
+          <ac:spMkLst>
+            <pc:docMk/>
+            <pc:sldMk cId="421309694" sldId="266"/>
+            <ac:spMk id="10" creationId="{BFAF755A-6179-F629-609D-8182EC1BBB3E}"/>
+          </ac:spMkLst>
+        </pc:spChg>
+        <pc:picChg chg="add mod">
+          <ac:chgData name="David Hardman" userId="25dc0ef6-7b36-4b30-a7ad-8f7f71a3f84a" providerId="ADAL" clId="{27FD78A3-4539-4683-AD32-86E3F452B1DC}" dt="2024-01-17T12:12:52.753" v="14" actId="1076"/>
+          <ac:picMkLst>
+            <pc:docMk/>
+            <pc:sldMk cId="421309694" sldId="266"/>
+            <ac:picMk id="5" creationId="{8CCB7EC5-9BBE-20FA-4E06-C32814E08372}"/>
+          </ac:picMkLst>
+        </pc:picChg>
+        <pc:picChg chg="add mod">
+          <ac:chgData name="David Hardman" userId="25dc0ef6-7b36-4b30-a7ad-8f7f71a3f84a" providerId="ADAL" clId="{27FD78A3-4539-4683-AD32-86E3F452B1DC}" dt="2024-01-17T12:12:45.961" v="12" actId="14100"/>
+          <ac:picMkLst>
+            <pc:docMk/>
+            <pc:sldMk cId="421309694" sldId="266"/>
+            <ac:picMk id="7" creationId="{1AF566B0-137B-6B9F-4429-1AAB6CEF656F}"/>
+          </ac:picMkLst>
+        </pc:picChg>
+      </pc:sldChg>
+      <pc:sldChg chg="addSp delSp modSp new mod">
+        <pc:chgData name="David Hardman" userId="25dc0ef6-7b36-4b30-a7ad-8f7f71a3f84a" providerId="ADAL" clId="{27FD78A3-4539-4683-AD32-86E3F452B1DC}" dt="2024-01-17T12:23:49.386" v="247" actId="1076"/>
+        <pc:sldMkLst>
+          <pc:docMk/>
+          <pc:sldMk cId="1941541357" sldId="267"/>
+        </pc:sldMkLst>
+        <pc:spChg chg="del">
+          <ac:chgData name="David Hardman" userId="25dc0ef6-7b36-4b30-a7ad-8f7f71a3f84a" providerId="ADAL" clId="{27FD78A3-4539-4683-AD32-86E3F452B1DC}" dt="2024-01-17T12:16:23.604" v="121" actId="478"/>
+          <ac:spMkLst>
+            <pc:docMk/>
+            <pc:sldMk cId="1941541357" sldId="267"/>
+            <ac:spMk id="2" creationId="{BFC58FC4-5025-099F-FF0F-546F75914902}"/>
+          </ac:spMkLst>
+        </pc:spChg>
+        <pc:spChg chg="del">
+          <ac:chgData name="David Hardman" userId="25dc0ef6-7b36-4b30-a7ad-8f7f71a3f84a" providerId="ADAL" clId="{27FD78A3-4539-4683-AD32-86E3F452B1DC}" dt="2024-01-17T12:16:23.230" v="120" actId="478"/>
+          <ac:spMkLst>
+            <pc:docMk/>
+            <pc:sldMk cId="1941541357" sldId="267"/>
+            <ac:spMk id="3" creationId="{F5CC37D2-AFDE-5715-DAD7-0D40F3B279A3}"/>
+          </ac:spMkLst>
+        </pc:spChg>
+        <pc:spChg chg="add mod">
+          <ac:chgData name="David Hardman" userId="25dc0ef6-7b36-4b30-a7ad-8f7f71a3f84a" providerId="ADAL" clId="{27FD78A3-4539-4683-AD32-86E3F452B1DC}" dt="2024-01-17T12:22:01.709" v="176" actId="1076"/>
+          <ac:spMkLst>
+            <pc:docMk/>
+            <pc:sldMk cId="1941541357" sldId="267"/>
+            <ac:spMk id="8" creationId="{69FC5355-C5C1-FA8D-16E9-CA26E0771B96}"/>
+          </ac:spMkLst>
+        </pc:spChg>
+        <pc:spChg chg="add mod">
+          <ac:chgData name="David Hardman" userId="25dc0ef6-7b36-4b30-a7ad-8f7f71a3f84a" providerId="ADAL" clId="{27FD78A3-4539-4683-AD32-86E3F452B1DC}" dt="2024-01-17T12:22:01.709" v="176" actId="1076"/>
+          <ac:spMkLst>
+            <pc:docMk/>
+            <pc:sldMk cId="1941541357" sldId="267"/>
+            <ac:spMk id="9" creationId="{C1015A82-A15F-1AB3-573B-B600058E2B24}"/>
+          </ac:spMkLst>
+        </pc:spChg>
+        <pc:spChg chg="add mod">
+          <ac:chgData name="David Hardman" userId="25dc0ef6-7b36-4b30-a7ad-8f7f71a3f84a" providerId="ADAL" clId="{27FD78A3-4539-4683-AD32-86E3F452B1DC}" dt="2024-01-17T12:22:44.313" v="245" actId="1076"/>
+          <ac:spMkLst>
+            <pc:docMk/>
+            <pc:sldMk cId="1941541357" sldId="267"/>
+            <ac:spMk id="10" creationId="{94F651BF-C1AE-3830-6699-1737B9B3AF4C}"/>
+          </ac:spMkLst>
+        </pc:spChg>
+        <pc:picChg chg="add mod">
+          <ac:chgData name="David Hardman" userId="25dc0ef6-7b36-4b30-a7ad-8f7f71a3f84a" providerId="ADAL" clId="{27FD78A3-4539-4683-AD32-86E3F452B1DC}" dt="2024-01-17T12:22:09.497" v="178" actId="1076"/>
+          <ac:picMkLst>
+            <pc:docMk/>
+            <pc:sldMk cId="1941541357" sldId="267"/>
+            <ac:picMk id="5" creationId="{63BCAEE7-D249-A72C-879F-0B2BA9362C51}"/>
+          </ac:picMkLst>
+        </pc:picChg>
+        <pc:picChg chg="add mod">
+          <ac:chgData name="David Hardman" userId="25dc0ef6-7b36-4b30-a7ad-8f7f71a3f84a" providerId="ADAL" clId="{27FD78A3-4539-4683-AD32-86E3F452B1DC}" dt="2024-01-17T12:22:01.709" v="176" actId="1076"/>
+          <ac:picMkLst>
+            <pc:docMk/>
+            <pc:sldMk cId="1941541357" sldId="267"/>
+            <ac:picMk id="7" creationId="{C2C1794D-BE96-3742-F8F7-A2493893B8BE}"/>
+          </ac:picMkLst>
+        </pc:picChg>
+        <pc:picChg chg="add mod">
+          <ac:chgData name="David Hardman" userId="25dc0ef6-7b36-4b30-a7ad-8f7f71a3f84a" providerId="ADAL" clId="{27FD78A3-4539-4683-AD32-86E3F452B1DC}" dt="2024-01-17T12:23:49.386" v="247" actId="1076"/>
+          <ac:picMkLst>
+            <pc:docMk/>
+            <pc:sldMk cId="1941541357" sldId="267"/>
+            <ac:picMk id="11" creationId="{6AC42E7D-3744-72DD-F8CF-2FAB7BA7C820}"/>
+          </ac:picMkLst>
+        </pc:picChg>
+      </pc:sldChg>
+      <pc:sldChg chg="addSp delSp modSp new mod ord">
+        <pc:chgData name="David Hardman" userId="25dc0ef6-7b36-4b30-a7ad-8f7f71a3f84a" providerId="ADAL" clId="{27FD78A3-4539-4683-AD32-86E3F452B1DC}" dt="2024-01-17T14:14:56.833" v="1105"/>
+        <pc:sldMkLst>
+          <pc:docMk/>
+          <pc:sldMk cId="3741777367" sldId="268"/>
+        </pc:sldMkLst>
+        <pc:spChg chg="del">
+          <ac:chgData name="David Hardman" userId="25dc0ef6-7b36-4b30-a7ad-8f7f71a3f84a" providerId="ADAL" clId="{27FD78A3-4539-4683-AD32-86E3F452B1DC}" dt="2024-01-17T12:35:19.426" v="304" actId="478"/>
+          <ac:spMkLst>
+            <pc:docMk/>
+            <pc:sldMk cId="3741777367" sldId="268"/>
+            <ac:spMk id="2" creationId="{1531F296-CE32-B1AA-71DC-EB2DEA9324E8}"/>
+          </ac:spMkLst>
+        </pc:spChg>
+        <pc:spChg chg="del">
+          <ac:chgData name="David Hardman" userId="25dc0ef6-7b36-4b30-a7ad-8f7f71a3f84a" providerId="ADAL" clId="{27FD78A3-4539-4683-AD32-86E3F452B1DC}" dt="2024-01-17T12:35:19.117" v="303" actId="478"/>
+          <ac:spMkLst>
+            <pc:docMk/>
+            <pc:sldMk cId="3741777367" sldId="268"/>
+            <ac:spMk id="3" creationId="{F3253C33-F04E-19FE-0BE3-C975CDE93AE0}"/>
+          </ac:spMkLst>
+        </pc:spChg>
+        <pc:spChg chg="add mod">
+          <ac:chgData name="David Hardman" userId="25dc0ef6-7b36-4b30-a7ad-8f7f71a3f84a" providerId="ADAL" clId="{27FD78A3-4539-4683-AD32-86E3F452B1DC}" dt="2024-01-17T12:37:26.172" v="436" actId="1076"/>
+          <ac:spMkLst>
+            <pc:docMk/>
+            <pc:sldMk cId="3741777367" sldId="268"/>
+            <ac:spMk id="6" creationId="{941A9B4E-65CB-99E7-1F18-3B61DA1E9F8E}"/>
+          </ac:spMkLst>
+        </pc:spChg>
+        <pc:picChg chg="add mod">
+          <ac:chgData name="David Hardman" userId="25dc0ef6-7b36-4b30-a7ad-8f7f71a3f84a" providerId="ADAL" clId="{27FD78A3-4539-4683-AD32-86E3F452B1DC}" dt="2024-01-17T12:36:31.549" v="307" actId="1076"/>
+          <ac:picMkLst>
+            <pc:docMk/>
+            <pc:sldMk cId="3741777367" sldId="268"/>
+            <ac:picMk id="5" creationId="{BCFA587D-367F-90F2-C119-12CA3978A893}"/>
+          </ac:picMkLst>
+        </pc:picChg>
+      </pc:sldChg>
+      <pc:sldChg chg="addSp delSp modSp new mod ord">
+        <pc:chgData name="David Hardman" userId="25dc0ef6-7b36-4b30-a7ad-8f7f71a3f84a" providerId="ADAL" clId="{27FD78A3-4539-4683-AD32-86E3F452B1DC}" dt="2024-01-17T14:14:56.833" v="1105"/>
+        <pc:sldMkLst>
+          <pc:docMk/>
+          <pc:sldMk cId="1006601606" sldId="269"/>
+        </pc:sldMkLst>
+        <pc:spChg chg="del">
+          <ac:chgData name="David Hardman" userId="25dc0ef6-7b36-4b30-a7ad-8f7f71a3f84a" providerId="ADAL" clId="{27FD78A3-4539-4683-AD32-86E3F452B1DC}" dt="2024-01-17T12:37:37.316" v="439" actId="478"/>
+          <ac:spMkLst>
+            <pc:docMk/>
+            <pc:sldMk cId="1006601606" sldId="269"/>
+            <ac:spMk id="2" creationId="{73CF35E6-F09E-9A90-E4E3-7A11854D6B22}"/>
+          </ac:spMkLst>
+        </pc:spChg>
+        <pc:spChg chg="del">
+          <ac:chgData name="David Hardman" userId="25dc0ef6-7b36-4b30-a7ad-8f7f71a3f84a" providerId="ADAL" clId="{27FD78A3-4539-4683-AD32-86E3F452B1DC}" dt="2024-01-17T12:37:36.958" v="438" actId="478"/>
+          <ac:spMkLst>
+            <pc:docMk/>
+            <pc:sldMk cId="1006601606" sldId="269"/>
+            <ac:spMk id="3" creationId="{250A5C5D-5479-A52B-A485-D46D2C14C960}"/>
+          </ac:spMkLst>
+        </pc:spChg>
+        <pc:spChg chg="add mod">
+          <ac:chgData name="David Hardman" userId="25dc0ef6-7b36-4b30-a7ad-8f7f71a3f84a" providerId="ADAL" clId="{27FD78A3-4539-4683-AD32-86E3F452B1DC}" dt="2024-01-17T12:38:36.316" v="508" actId="1076"/>
+          <ac:spMkLst>
+            <pc:docMk/>
+            <pc:sldMk cId="1006601606" sldId="269"/>
+            <ac:spMk id="7" creationId="{A3D08E1F-96A0-BB71-5462-48A6711A1098}"/>
+          </ac:spMkLst>
+        </pc:spChg>
+        <pc:spChg chg="add mod">
+          <ac:chgData name="David Hardman" userId="25dc0ef6-7b36-4b30-a7ad-8f7f71a3f84a" providerId="ADAL" clId="{27FD78A3-4539-4683-AD32-86E3F452B1DC}" dt="2024-01-17T12:38:49.465" v="518" actId="1076"/>
+          <ac:spMkLst>
+            <pc:docMk/>
+            <pc:sldMk cId="1006601606" sldId="269"/>
+            <ac:spMk id="8" creationId="{69E01539-14E0-4882-605C-724F94923C18}"/>
+          </ac:spMkLst>
+        </pc:spChg>
+        <pc:spChg chg="add del mod">
+          <ac:chgData name="David Hardman" userId="25dc0ef6-7b36-4b30-a7ad-8f7f71a3f84a" providerId="ADAL" clId="{27FD78A3-4539-4683-AD32-86E3F452B1DC}" dt="2024-01-17T12:39:43.509" v="537" actId="478"/>
+          <ac:spMkLst>
+            <pc:docMk/>
+            <pc:sldMk cId="1006601606" sldId="269"/>
+            <ac:spMk id="9" creationId="{51D86AEA-DB88-7D41-D0AD-8C01035ABF9A}"/>
+          </ac:spMkLst>
+        </pc:spChg>
+        <pc:spChg chg="add del mod">
+          <ac:chgData name="David Hardman" userId="25dc0ef6-7b36-4b30-a7ad-8f7f71a3f84a" providerId="ADAL" clId="{27FD78A3-4539-4683-AD32-86E3F452B1DC}" dt="2024-01-17T12:39:42.009" v="536" actId="478"/>
+          <ac:spMkLst>
+            <pc:docMk/>
+            <pc:sldMk cId="1006601606" sldId="269"/>
+            <ac:spMk id="10" creationId="{05B2E89F-3ACE-EC8B-922B-2FC1FF79B2C5}"/>
+          </ac:spMkLst>
+        </pc:spChg>
+        <pc:picChg chg="add mod modCrop">
+          <ac:chgData name="David Hardman" userId="25dc0ef6-7b36-4b30-a7ad-8f7f71a3f84a" providerId="ADAL" clId="{27FD78A3-4539-4683-AD32-86E3F452B1DC}" dt="2024-01-17T12:37:51.637" v="443" actId="1076"/>
+          <ac:picMkLst>
+            <pc:docMk/>
+            <pc:sldMk cId="1006601606" sldId="269"/>
+            <ac:picMk id="4" creationId="{0553865F-8D65-F549-D5E0-D510B0B36D55}"/>
+          </ac:picMkLst>
+        </pc:picChg>
+        <pc:cxnChg chg="add mod">
+          <ac:chgData name="David Hardman" userId="25dc0ef6-7b36-4b30-a7ad-8f7f71a3f84a" providerId="ADAL" clId="{27FD78A3-4539-4683-AD32-86E3F452B1DC}" dt="2024-01-17T12:38:08.189" v="447" actId="1582"/>
+          <ac:cxnSpMkLst>
+            <pc:docMk/>
+            <pc:sldMk cId="1006601606" sldId="269"/>
+            <ac:cxnSpMk id="6" creationId="{5D704FFE-6B45-2664-7965-0814AE3A036A}"/>
+          </ac:cxnSpMkLst>
+        </pc:cxnChg>
+      </pc:sldChg>
+      <pc:sldChg chg="addSp delSp modSp new mod ord">
+        <pc:chgData name="David Hardman" userId="25dc0ef6-7b36-4b30-a7ad-8f7f71a3f84a" providerId="ADAL" clId="{27FD78A3-4539-4683-AD32-86E3F452B1DC}" dt="2024-01-17T14:14:56.833" v="1105"/>
+        <pc:sldMkLst>
+          <pc:docMk/>
+          <pc:sldMk cId="2288592894" sldId="270"/>
+        </pc:sldMkLst>
+        <pc:spChg chg="del">
+          <ac:chgData name="David Hardman" userId="25dc0ef6-7b36-4b30-a7ad-8f7f71a3f84a" providerId="ADAL" clId="{27FD78A3-4539-4683-AD32-86E3F452B1DC}" dt="2024-01-17T12:39:54.782" v="539" actId="478"/>
+          <ac:spMkLst>
+            <pc:docMk/>
+            <pc:sldMk cId="2288592894" sldId="270"/>
+            <ac:spMk id="2" creationId="{45F7930C-8FC7-2BC0-6E89-EB51F32D0BEF}"/>
+          </ac:spMkLst>
+        </pc:spChg>
+        <pc:spChg chg="del">
+          <ac:chgData name="David Hardman" userId="25dc0ef6-7b36-4b30-a7ad-8f7f71a3f84a" providerId="ADAL" clId="{27FD78A3-4539-4683-AD32-86E3F452B1DC}" dt="2024-01-17T12:39:54.455" v="538" actId="478"/>
+          <ac:spMkLst>
+            <pc:docMk/>
+            <pc:sldMk cId="2288592894" sldId="270"/>
+            <ac:spMk id="3" creationId="{A1E441BF-C0D9-CDB0-BB7D-E7D9F3895D09}"/>
+          </ac:spMkLst>
+        </pc:spChg>
+        <pc:spChg chg="add mod">
+          <ac:chgData name="David Hardman" userId="25dc0ef6-7b36-4b30-a7ad-8f7f71a3f84a" providerId="ADAL" clId="{27FD78A3-4539-4683-AD32-86E3F452B1DC}" dt="2024-01-17T12:47:04.839" v="705" actId="1076"/>
+          <ac:spMkLst>
+            <pc:docMk/>
+            <pc:sldMk cId="2288592894" sldId="270"/>
+            <ac:spMk id="4" creationId="{EF3FDE83-E529-C817-DD55-82C54A2042FD}"/>
+          </ac:spMkLst>
+        </pc:spChg>
+        <pc:spChg chg="add mod">
+          <ac:chgData name="David Hardman" userId="25dc0ef6-7b36-4b30-a7ad-8f7f71a3f84a" providerId="ADAL" clId="{27FD78A3-4539-4683-AD32-86E3F452B1DC}" dt="2024-01-17T12:40:44.122" v="636" actId="14100"/>
+          <ac:spMkLst>
+            <pc:docMk/>
+            <pc:sldMk cId="2288592894" sldId="270"/>
+            <ac:spMk id="5" creationId="{8B8B7979-4190-757F-963D-1F2D4452BD90}"/>
+          </ac:spMkLst>
+        </pc:spChg>
+        <pc:spChg chg="add mod">
+          <ac:chgData name="David Hardman" userId="25dc0ef6-7b36-4b30-a7ad-8f7f71a3f84a" providerId="ADAL" clId="{27FD78A3-4539-4683-AD32-86E3F452B1DC}" dt="2024-01-17T12:47:09.716" v="707" actId="1076"/>
+          <ac:spMkLst>
+            <pc:docMk/>
+            <pc:sldMk cId="2288592894" sldId="270"/>
+            <ac:spMk id="6" creationId="{5A3C5039-A9C7-67B2-0B71-19EABA8E16AE}"/>
+          </ac:spMkLst>
+        </pc:spChg>
+        <pc:spChg chg="add mod">
+          <ac:chgData name="David Hardman" userId="25dc0ef6-7b36-4b30-a7ad-8f7f71a3f84a" providerId="ADAL" clId="{27FD78A3-4539-4683-AD32-86E3F452B1DC}" dt="2024-01-17T12:47:24.160" v="712" actId="1076"/>
+          <ac:spMkLst>
+            <pc:docMk/>
+            <pc:sldMk cId="2288592894" sldId="270"/>
+            <ac:spMk id="7" creationId="{BD821CCF-AD24-9EED-B997-380A018FEFB3}"/>
+          </ac:spMkLst>
+        </pc:spChg>
+        <pc:spChg chg="add mod">
+          <ac:chgData name="David Hardman" userId="25dc0ef6-7b36-4b30-a7ad-8f7f71a3f84a" providerId="ADAL" clId="{27FD78A3-4539-4683-AD32-86E3F452B1DC}" dt="2024-01-17T12:47:18.971" v="710" actId="1076"/>
+          <ac:spMkLst>
+            <pc:docMk/>
+            <pc:sldMk cId="2288592894" sldId="270"/>
+            <ac:spMk id="8" creationId="{0269E645-92B3-C5E2-DF9B-75AB30922827}"/>
+          </ac:spMkLst>
+        </pc:spChg>
+        <pc:spChg chg="add mod">
+          <ac:chgData name="David Hardman" userId="25dc0ef6-7b36-4b30-a7ad-8f7f71a3f84a" providerId="ADAL" clId="{27FD78A3-4539-4683-AD32-86E3F452B1DC}" dt="2024-01-17T12:49:01.410" v="768" actId="1076"/>
+          <ac:spMkLst>
+            <pc:docMk/>
+            <pc:sldMk cId="2288592894" sldId="270"/>
+            <ac:spMk id="19" creationId="{FBB7D38F-6240-2A6C-9AF6-F7CC527B347D}"/>
+          </ac:spMkLst>
+        </pc:spChg>
+        <pc:spChg chg="add mod">
+          <ac:chgData name="David Hardman" userId="25dc0ef6-7b36-4b30-a7ad-8f7f71a3f84a" providerId="ADAL" clId="{27FD78A3-4539-4683-AD32-86E3F452B1DC}" dt="2024-01-17T12:50:03.917" v="798" actId="1076"/>
+          <ac:spMkLst>
+            <pc:docMk/>
+            <pc:sldMk cId="2288592894" sldId="270"/>
+            <ac:spMk id="22" creationId="{EE5CC365-06D3-41CC-628A-5704183071FC}"/>
+          </ac:spMkLst>
+        </pc:spChg>
+        <pc:picChg chg="add mod">
+          <ac:chgData name="David Hardman" userId="25dc0ef6-7b36-4b30-a7ad-8f7f71a3f84a" providerId="ADAL" clId="{27FD78A3-4539-4683-AD32-86E3F452B1DC}" dt="2024-01-17T12:47:04.839" v="705" actId="1076"/>
+          <ac:picMkLst>
+            <pc:docMk/>
+            <pc:sldMk cId="2288592894" sldId="270"/>
+            <ac:picMk id="10" creationId="{68FAA7E7-68A5-C23C-28AB-6A616D3BC108}"/>
+          </ac:picMkLst>
+        </pc:picChg>
+        <pc:picChg chg="add mod">
+          <ac:chgData name="David Hardman" userId="25dc0ef6-7b36-4b30-a7ad-8f7f71a3f84a" providerId="ADAL" clId="{27FD78A3-4539-4683-AD32-86E3F452B1DC}" dt="2024-01-17T12:47:07.017" v="706" actId="1076"/>
+          <ac:picMkLst>
+            <pc:docMk/>
+            <pc:sldMk cId="2288592894" sldId="270"/>
+            <ac:picMk id="12" creationId="{641865EE-B5C4-8F3F-F524-533A0CF89A74}"/>
+          </ac:picMkLst>
+        </pc:picChg>
+        <pc:picChg chg="add mod">
+          <ac:chgData name="David Hardman" userId="25dc0ef6-7b36-4b30-a7ad-8f7f71a3f84a" providerId="ADAL" clId="{27FD78A3-4539-4683-AD32-86E3F452B1DC}" dt="2024-01-17T12:47:20.910" v="711" actId="1076"/>
+          <ac:picMkLst>
+            <pc:docMk/>
+            <pc:sldMk cId="2288592894" sldId="270"/>
+            <ac:picMk id="14" creationId="{86FDF8B2-B7F6-14CF-08CC-FAEAEA1105B7}"/>
+          </ac:picMkLst>
+        </pc:picChg>
+        <pc:picChg chg="add mod">
+          <ac:chgData name="David Hardman" userId="25dc0ef6-7b36-4b30-a7ad-8f7f71a3f84a" providerId="ADAL" clId="{27FD78A3-4539-4683-AD32-86E3F452B1DC}" dt="2024-01-17T12:47:14.265" v="709" actId="1076"/>
+          <ac:picMkLst>
+            <pc:docMk/>
+            <pc:sldMk cId="2288592894" sldId="270"/>
+            <ac:picMk id="16" creationId="{303DAF64-B001-7D07-2213-797E9885E552}"/>
+          </ac:picMkLst>
+        </pc:picChg>
+        <pc:picChg chg="add mod">
+          <ac:chgData name="David Hardman" userId="25dc0ef6-7b36-4b30-a7ad-8f7f71a3f84a" providerId="ADAL" clId="{27FD78A3-4539-4683-AD32-86E3F452B1DC}" dt="2024-01-17T12:49:03.190" v="770" actId="1076"/>
+          <ac:picMkLst>
+            <pc:docMk/>
+            <pc:sldMk cId="2288592894" sldId="270"/>
+            <ac:picMk id="18" creationId="{92B7F0FA-CF31-0082-40C3-12F7B4558E7F}"/>
+          </ac:picMkLst>
+        </pc:picChg>
+        <pc:picChg chg="add mod">
+          <ac:chgData name="David Hardman" userId="25dc0ef6-7b36-4b30-a7ad-8f7f71a3f84a" providerId="ADAL" clId="{27FD78A3-4539-4683-AD32-86E3F452B1DC}" dt="2024-01-17T12:49:47.665" v="774" actId="1076"/>
+          <ac:picMkLst>
+            <pc:docMk/>
+            <pc:sldMk cId="2288592894" sldId="270"/>
+            <ac:picMk id="21" creationId="{728E8AFF-EF33-DCF3-2923-E5A0F3AAFB1C}"/>
+          </ac:picMkLst>
+        </pc:picChg>
+      </pc:sldChg>
+      <pc:sldChg chg="modSp new mod ord">
+        <pc:chgData name="David Hardman" userId="25dc0ef6-7b36-4b30-a7ad-8f7f71a3f84a" providerId="ADAL" clId="{27FD78A3-4539-4683-AD32-86E3F452B1DC}" dt="2024-01-17T14:15:03.709" v="1107"/>
+        <pc:sldMkLst>
+          <pc:docMk/>
+          <pc:sldMk cId="4047396383" sldId="271"/>
+        </pc:sldMkLst>
+        <pc:spChg chg="mod">
+          <ac:chgData name="David Hardman" userId="25dc0ef6-7b36-4b30-a7ad-8f7f71a3f84a" providerId="ADAL" clId="{27FD78A3-4539-4683-AD32-86E3F452B1DC}" dt="2024-01-17T14:14:50.064" v="1103" actId="20577"/>
+          <ac:spMkLst>
+            <pc:docMk/>
+            <pc:sldMk cId="4047396383" sldId="271"/>
+            <ac:spMk id="3" creationId="{9ACF55E5-59C6-D1E7-0009-5E0E9B9A03C2}"/>
+          </ac:spMkLst>
+        </pc:spChg>
+      </pc:sldChg>
+      <pc:sldChg chg="modSp add mod">
+        <pc:chgData name="David Hardman" userId="25dc0ef6-7b36-4b30-a7ad-8f7f71a3f84a" providerId="ADAL" clId="{27FD78A3-4539-4683-AD32-86E3F452B1DC}" dt="2024-01-17T14:15:54.367" v="1208" actId="20577"/>
+        <pc:sldMkLst>
+          <pc:docMk/>
+          <pc:sldMk cId="3306675472" sldId="272"/>
+        </pc:sldMkLst>
+        <pc:spChg chg="mod">
+          <ac:chgData name="David Hardman" userId="25dc0ef6-7b36-4b30-a7ad-8f7f71a3f84a" providerId="ADAL" clId="{27FD78A3-4539-4683-AD32-86E3F452B1DC}" dt="2024-01-17T14:15:54.367" v="1208" actId="20577"/>
+          <ac:spMkLst>
+            <pc:docMk/>
+            <pc:sldMk cId="3306675472" sldId="272"/>
+            <ac:spMk id="3" creationId="{9ACF55E5-59C6-D1E7-0009-5E0E9B9A03C2}"/>
+          </ac:spMkLst>
+        </pc:spChg>
+      </pc:sldChg>
+      <pc:sldChg chg="addSp delSp new mod">
+        <pc:chgData name="David Hardman" userId="25dc0ef6-7b36-4b30-a7ad-8f7f71a3f84a" providerId="ADAL" clId="{27FD78A3-4539-4683-AD32-86E3F452B1DC}" dt="2024-01-17T14:35:28.252" v="1212" actId="22"/>
+        <pc:sldMkLst>
+          <pc:docMk/>
+          <pc:sldMk cId="2440074061" sldId="273"/>
+        </pc:sldMkLst>
+        <pc:spChg chg="del">
+          <ac:chgData name="David Hardman" userId="25dc0ef6-7b36-4b30-a7ad-8f7f71a3f84a" providerId="ADAL" clId="{27FD78A3-4539-4683-AD32-86E3F452B1DC}" dt="2024-01-17T14:35:27.376" v="1211" actId="478"/>
+          <ac:spMkLst>
+            <pc:docMk/>
+            <pc:sldMk cId="2440074061" sldId="273"/>
+            <ac:spMk id="2" creationId="{CEECB13F-B98F-79EE-E098-DF09A6790168}"/>
+          </ac:spMkLst>
+        </pc:spChg>
+        <pc:spChg chg="del">
+          <ac:chgData name="David Hardman" userId="25dc0ef6-7b36-4b30-a7ad-8f7f71a3f84a" providerId="ADAL" clId="{27FD78A3-4539-4683-AD32-86E3F452B1DC}" dt="2024-01-17T14:35:27.043" v="1210" actId="478"/>
+          <ac:spMkLst>
+            <pc:docMk/>
+            <pc:sldMk cId="2440074061" sldId="273"/>
+            <ac:spMk id="3" creationId="{AA5CAE75-F47B-083F-699D-7A164DD5E8E6}"/>
+          </ac:spMkLst>
+        </pc:spChg>
+        <pc:picChg chg="add">
+          <ac:chgData name="David Hardman" userId="25dc0ef6-7b36-4b30-a7ad-8f7f71a3f84a" providerId="ADAL" clId="{27FD78A3-4539-4683-AD32-86E3F452B1DC}" dt="2024-01-17T14:35:28.252" v="1212" actId="22"/>
+          <ac:picMkLst>
+            <pc:docMk/>
+            <pc:sldMk cId="2440074061" sldId="273"/>
+            <ac:picMk id="5" creationId="{35A93486-A516-50B2-C8FB-A70F8927A4C1}"/>
+          </ac:picMkLst>
+        </pc:picChg>
+      </pc:sldChg>
+      <pc:sldChg chg="addSp delSp modSp new mod">
+        <pc:chgData name="David Hardman" userId="25dc0ef6-7b36-4b30-a7ad-8f7f71a3f84a" providerId="ADAL" clId="{27FD78A3-4539-4683-AD32-86E3F452B1DC}" dt="2024-01-17T15:33:27.200" v="1253" actId="1076"/>
+        <pc:sldMkLst>
+          <pc:docMk/>
+          <pc:sldMk cId="501957649" sldId="274"/>
+        </pc:sldMkLst>
+        <pc:spChg chg="del">
+          <ac:chgData name="David Hardman" userId="25dc0ef6-7b36-4b30-a7ad-8f7f71a3f84a" providerId="ADAL" clId="{27FD78A3-4539-4683-AD32-86E3F452B1DC}" dt="2024-01-17T15:32:16.433" v="1215" actId="478"/>
+          <ac:spMkLst>
+            <pc:docMk/>
+            <pc:sldMk cId="501957649" sldId="274"/>
+            <ac:spMk id="2" creationId="{9B33993F-4D9B-0143-C79D-5A2BC41862F3}"/>
+          </ac:spMkLst>
+        </pc:spChg>
+        <pc:spChg chg="del">
+          <ac:chgData name="David Hardman" userId="25dc0ef6-7b36-4b30-a7ad-8f7f71a3f84a" providerId="ADAL" clId="{27FD78A3-4539-4683-AD32-86E3F452B1DC}" dt="2024-01-17T15:32:15.128" v="1214" actId="478"/>
+          <ac:spMkLst>
+            <pc:docMk/>
+            <pc:sldMk cId="501957649" sldId="274"/>
+            <ac:spMk id="3" creationId="{C7DDBCDC-0570-6DFC-A602-EC91950491F1}"/>
+          </ac:spMkLst>
+        </pc:spChg>
+        <pc:spChg chg="add mod">
+          <ac:chgData name="David Hardman" userId="25dc0ef6-7b36-4b30-a7ad-8f7f71a3f84a" providerId="ADAL" clId="{27FD78A3-4539-4683-AD32-86E3F452B1DC}" dt="2024-01-17T15:33:14.139" v="1241" actId="1076"/>
+          <ac:spMkLst>
+            <pc:docMk/>
+            <pc:sldMk cId="501957649" sldId="274"/>
+            <ac:spMk id="8" creationId="{BFF242A2-8989-BD5D-0F95-F48E8A562962}"/>
+          </ac:spMkLst>
+        </pc:spChg>
+        <pc:spChg chg="add mod">
+          <ac:chgData name="David Hardman" userId="25dc0ef6-7b36-4b30-a7ad-8f7f71a3f84a" providerId="ADAL" clId="{27FD78A3-4539-4683-AD32-86E3F452B1DC}" dt="2024-01-17T15:33:27.200" v="1253" actId="1076"/>
+          <ac:spMkLst>
+            <pc:docMk/>
+            <pc:sldMk cId="501957649" sldId="274"/>
+            <ac:spMk id="9" creationId="{38770724-502F-09EE-6818-B24CCD65E2FA}"/>
+          </ac:spMkLst>
+        </pc:spChg>
+        <pc:picChg chg="add mod">
+          <ac:chgData name="David Hardman" userId="25dc0ef6-7b36-4b30-a7ad-8f7f71a3f84a" providerId="ADAL" clId="{27FD78A3-4539-4683-AD32-86E3F452B1DC}" dt="2024-01-17T15:32:56.948" v="1227" actId="1076"/>
+          <ac:picMkLst>
+            <pc:docMk/>
+            <pc:sldMk cId="501957649" sldId="274"/>
+            <ac:picMk id="5" creationId="{C08F6405-77EE-F58A-3B78-0A6FF1F924DD}"/>
+          </ac:picMkLst>
+        </pc:picChg>
+        <pc:picChg chg="add mod">
+          <ac:chgData name="David Hardman" userId="25dc0ef6-7b36-4b30-a7ad-8f7f71a3f84a" providerId="ADAL" clId="{27FD78A3-4539-4683-AD32-86E3F452B1DC}" dt="2024-01-17T15:33:17.233" v="1244" actId="1076"/>
+          <ac:picMkLst>
+            <pc:docMk/>
+            <pc:sldMk cId="501957649" sldId="274"/>
+            <ac:picMk id="7" creationId="{7D3C890C-2DBA-68CF-69B9-78265046C588}"/>
+          </ac:picMkLst>
+        </pc:picChg>
+      </pc:sldChg>
+    </pc:docChg>
+  </pc:docChgLst>
+</pc:chgInfo>
+</file>
+
 <file path=ppt/slideLayouts/slideLayout1.xml><?xml version="1.0" encoding="utf-8"?>
 <p:sldLayout xmlns:a="http://schemas.openxmlformats.org/drawingml/2006/main" xmlns:r="http://schemas.openxmlformats.org/officeDocument/2006/relationships" xmlns:p="http://schemas.openxmlformats.org/presentationml/2006/main" type="title" preserve="1">
   <p:cSld name="Title Slide">
@@ -270,7 +788,7 @@
           <a:p>
             <a:fld id="{053F5D8B-B79B-4C2F-9924-2EB5DE2C0023}" type="datetimeFigureOut">
               <a:rPr lang="en-GB" smtClean="0"/>
-              <a:t>16/01/2024</a:t>
+              <a:t>17/01/2024</a:t>
             </a:fld>
             <a:endParaRPr lang="en-GB"/>
           </a:p>
@@ -470,7 +988,7 @@
           <a:p>
             <a:fld id="{053F5D8B-B79B-4C2F-9924-2EB5DE2C0023}" type="datetimeFigureOut">
               <a:rPr lang="en-GB" smtClean="0"/>
-              <a:t>16/01/2024</a:t>
+              <a:t>17/01/2024</a:t>
             </a:fld>
             <a:endParaRPr lang="en-GB"/>
           </a:p>
@@ -680,7 +1198,7 @@
           <a:p>
             <a:fld id="{053F5D8B-B79B-4C2F-9924-2EB5DE2C0023}" type="datetimeFigureOut">
               <a:rPr lang="en-GB" smtClean="0"/>
-              <a:t>16/01/2024</a:t>
+              <a:t>17/01/2024</a:t>
             </a:fld>
             <a:endParaRPr lang="en-GB"/>
           </a:p>
@@ -880,7 +1398,7 @@
           <a:p>
             <a:fld id="{053F5D8B-B79B-4C2F-9924-2EB5DE2C0023}" type="datetimeFigureOut">
               <a:rPr lang="en-GB" smtClean="0"/>
-              <a:t>16/01/2024</a:t>
+              <a:t>17/01/2024</a:t>
             </a:fld>
             <a:endParaRPr lang="en-GB"/>
           </a:p>
@@ -1156,7 +1674,7 @@
           <a:p>
             <a:fld id="{053F5D8B-B79B-4C2F-9924-2EB5DE2C0023}" type="datetimeFigureOut">
               <a:rPr lang="en-GB" smtClean="0"/>
-              <a:t>16/01/2024</a:t>
+              <a:t>17/01/2024</a:t>
             </a:fld>
             <a:endParaRPr lang="en-GB"/>
           </a:p>
@@ -1424,7 +1942,7 @@
           <a:p>
             <a:fld id="{053F5D8B-B79B-4C2F-9924-2EB5DE2C0023}" type="datetimeFigureOut">
               <a:rPr lang="en-GB" smtClean="0"/>
-              <a:t>16/01/2024</a:t>
+              <a:t>17/01/2024</a:t>
             </a:fld>
             <a:endParaRPr lang="en-GB"/>
           </a:p>
@@ -1839,7 +2357,7 @@
           <a:p>
             <a:fld id="{053F5D8B-B79B-4C2F-9924-2EB5DE2C0023}" type="datetimeFigureOut">
               <a:rPr lang="en-GB" smtClean="0"/>
-              <a:t>16/01/2024</a:t>
+              <a:t>17/01/2024</a:t>
             </a:fld>
             <a:endParaRPr lang="en-GB"/>
           </a:p>
@@ -1981,7 +2499,7 @@
           <a:p>
             <a:fld id="{053F5D8B-B79B-4C2F-9924-2EB5DE2C0023}" type="datetimeFigureOut">
               <a:rPr lang="en-GB" smtClean="0"/>
-              <a:t>16/01/2024</a:t>
+              <a:t>17/01/2024</a:t>
             </a:fld>
             <a:endParaRPr lang="en-GB"/>
           </a:p>
@@ -2094,7 +2612,7 @@
           <a:p>
             <a:fld id="{053F5D8B-B79B-4C2F-9924-2EB5DE2C0023}" type="datetimeFigureOut">
               <a:rPr lang="en-GB" smtClean="0"/>
-              <a:t>16/01/2024</a:t>
+              <a:t>17/01/2024</a:t>
             </a:fld>
             <a:endParaRPr lang="en-GB"/>
           </a:p>
@@ -2407,7 +2925,7 @@
           <a:p>
             <a:fld id="{053F5D8B-B79B-4C2F-9924-2EB5DE2C0023}" type="datetimeFigureOut">
               <a:rPr lang="en-GB" smtClean="0"/>
-              <a:t>16/01/2024</a:t>
+              <a:t>17/01/2024</a:t>
             </a:fld>
             <a:endParaRPr lang="en-GB"/>
           </a:p>
@@ -2696,7 +3214,7 @@
           <a:p>
             <a:fld id="{053F5D8B-B79B-4C2F-9924-2EB5DE2C0023}" type="datetimeFigureOut">
               <a:rPr lang="en-GB" smtClean="0"/>
-              <a:t>16/01/2024</a:t>
+              <a:t>17/01/2024</a:t>
             </a:fld>
             <a:endParaRPr lang="en-GB"/>
           </a:p>
@@ -2939,7 +3457,7 @@
           <a:p>
             <a:fld id="{053F5D8B-B79B-4C2F-9924-2EB5DE2C0023}" type="datetimeFigureOut">
               <a:rPr lang="en-GB" smtClean="0"/>
-              <a:t>16/01/2024</a:t>
+              <a:t>17/01/2024</a:t>
             </a:fld>
             <a:endParaRPr lang="en-GB"/>
           </a:p>
@@ -3441,6 +3959,1052 @@
           <p:cNvPr id="5" name="Picture 4">
             <a:extLst>
               <a:ext uri="{FF2B5EF4-FFF2-40B4-BE49-F238E27FC236}">
+                <a16:creationId xmlns:a16="http://schemas.microsoft.com/office/drawing/2014/main" id="{63AE5EF2-B8ED-EEC1-5C30-1093037A6EB3}"/>
+              </a:ext>
+            </a:extLst>
+          </p:cNvPr>
+          <p:cNvPicPr>
+            <a:picLocks noChangeAspect="1"/>
+          </p:cNvPicPr>
+          <p:nvPr/>
+        </p:nvPicPr>
+        <p:blipFill>
+          <a:blip r:embed="rId2"/>
+          <a:stretch>
+            <a:fillRect/>
+          </a:stretch>
+        </p:blipFill>
+        <p:spPr>
+          <a:xfrm>
+            <a:off x="514544" y="970273"/>
+            <a:ext cx="10455546" cy="4572396"/>
+          </a:xfrm>
+          <a:prstGeom prst="rect">
+            <a:avLst/>
+          </a:prstGeom>
+        </p:spPr>
+      </p:pic>
+      <p:sp>
+        <p:nvSpPr>
+          <p:cNvPr id="6" name="TextBox 5">
+            <a:extLst>
+              <a:ext uri="{FF2B5EF4-FFF2-40B4-BE49-F238E27FC236}">
+                <a16:creationId xmlns:a16="http://schemas.microsoft.com/office/drawing/2014/main" id="{01CCD4FF-F76B-401B-7584-FCBB54B6270B}"/>
+              </a:ext>
+            </a:extLst>
+          </p:cNvPr>
+          <p:cNvSpPr txBox="1"/>
+          <p:nvPr/>
+        </p:nvSpPr>
+        <p:spPr>
+          <a:xfrm>
+            <a:off x="1687901" y="5995358"/>
+            <a:ext cx="8816197" cy="369332"/>
+          </a:xfrm>
+          <a:prstGeom prst="rect">
+            <a:avLst/>
+          </a:prstGeom>
+          <a:noFill/>
+        </p:spPr>
+        <p:txBody>
+          <a:bodyPr wrap="square" rtlCol="0">
+            <a:spAutoFit/>
+          </a:bodyPr>
+          <a:lstStyle/>
+          <a:p>
+            <a:r>
+              <a:rPr lang="en-US" dirty="0"/>
+              <a:t>TSNE Clustering – all with events overlaid. 10krms from here unless otherwise specified.</a:t>
+            </a:r>
+            <a:endParaRPr lang="en-GB" dirty="0"/>
+          </a:p>
+        </p:txBody>
+      </p:sp>
+    </p:spTree>
+    <p:extLst>
+      <p:ext uri="{BB962C8B-B14F-4D97-AF65-F5344CB8AC3E}">
+        <p14:creationId xmlns:p14="http://schemas.microsoft.com/office/powerpoint/2010/main" val="1789624668"/>
+      </p:ext>
+    </p:extLst>
+  </p:cSld>
+  <p:clrMapOvr>
+    <a:masterClrMapping/>
+  </p:clrMapOvr>
+</p:sld>
+</file>
+
+<file path=ppt/slides/slide11.xml><?xml version="1.0" encoding="utf-8"?>
+<p:sld xmlns:a="http://schemas.openxmlformats.org/drawingml/2006/main" xmlns:r="http://schemas.openxmlformats.org/officeDocument/2006/relationships" xmlns:p="http://schemas.openxmlformats.org/presentationml/2006/main">
+  <p:cSld>
+    <p:spTree>
+      <p:nvGrpSpPr>
+        <p:cNvPr id="1" name=""/>
+        <p:cNvGrpSpPr/>
+        <p:nvPr/>
+      </p:nvGrpSpPr>
+      <p:grpSpPr>
+        <a:xfrm>
+          <a:off x="0" y="0"/>
+          <a:ext cx="0" cy="0"/>
+          <a:chOff x="0" y="0"/>
+          <a:chExt cx="0" cy="0"/>
+        </a:xfrm>
+      </p:grpSpPr>
+      <p:pic>
+        <p:nvPicPr>
+          <p:cNvPr id="5" name="Picture 4">
+            <a:extLst>
+              <a:ext uri="{FF2B5EF4-FFF2-40B4-BE49-F238E27FC236}">
+                <a16:creationId xmlns:a16="http://schemas.microsoft.com/office/drawing/2014/main" id="{7AE1B0CA-DB51-39F2-706E-E9CF6ACAED8B}"/>
+              </a:ext>
+            </a:extLst>
+          </p:cNvPr>
+          <p:cNvPicPr>
+            <a:picLocks noChangeAspect="1"/>
+          </p:cNvPicPr>
+          <p:nvPr/>
+        </p:nvPicPr>
+        <p:blipFill>
+          <a:blip r:embed="rId2"/>
+          <a:stretch>
+            <a:fillRect/>
+          </a:stretch>
+        </p:blipFill>
+        <p:spPr>
+          <a:xfrm>
+            <a:off x="2966172" y="805946"/>
+            <a:ext cx="5448772" cy="4435224"/>
+          </a:xfrm>
+          <a:prstGeom prst="rect">
+            <a:avLst/>
+          </a:prstGeom>
+        </p:spPr>
+      </p:pic>
+      <p:sp>
+        <p:nvSpPr>
+          <p:cNvPr id="6" name="TextBox 5">
+            <a:extLst>
+              <a:ext uri="{FF2B5EF4-FFF2-40B4-BE49-F238E27FC236}">
+                <a16:creationId xmlns:a16="http://schemas.microsoft.com/office/drawing/2014/main" id="{F38B9AAE-1F85-F653-2D41-1D840D87FCF8}"/>
+              </a:ext>
+            </a:extLst>
+          </p:cNvPr>
+          <p:cNvSpPr txBox="1"/>
+          <p:nvPr/>
+        </p:nvSpPr>
+        <p:spPr>
+          <a:xfrm>
+            <a:off x="1687901" y="5995358"/>
+            <a:ext cx="8816197" cy="369332"/>
+          </a:xfrm>
+          <a:prstGeom prst="rect">
+            <a:avLst/>
+          </a:prstGeom>
+          <a:noFill/>
+        </p:spPr>
+        <p:txBody>
+          <a:bodyPr wrap="square" rtlCol="0">
+            <a:spAutoFit/>
+          </a:bodyPr>
+          <a:lstStyle/>
+          <a:p>
+            <a:r>
+              <a:rPr lang="en-US" dirty="0"/>
+              <a:t>PCA 2D with all. Multi-tactile dominate, and </a:t>
+            </a:r>
+            <a:r>
+              <a:rPr lang="en-US" dirty="0" err="1"/>
+              <a:t>presshuman</a:t>
+            </a:r>
+            <a:r>
+              <a:rPr lang="en-US" dirty="0"/>
+              <a:t> very similar to pure touching.</a:t>
+            </a:r>
+            <a:endParaRPr lang="en-GB" dirty="0"/>
+          </a:p>
+        </p:txBody>
+      </p:sp>
+    </p:spTree>
+    <p:extLst>
+      <p:ext uri="{BB962C8B-B14F-4D97-AF65-F5344CB8AC3E}">
+        <p14:creationId xmlns:p14="http://schemas.microsoft.com/office/powerpoint/2010/main" val="807563530"/>
+      </p:ext>
+    </p:extLst>
+  </p:cSld>
+  <p:clrMapOvr>
+    <a:masterClrMapping/>
+  </p:clrMapOvr>
+</p:sld>
+</file>
+
+<file path=ppt/slides/slide12.xml><?xml version="1.0" encoding="utf-8"?>
+<p:sld xmlns:a="http://schemas.openxmlformats.org/drawingml/2006/main" xmlns:r="http://schemas.openxmlformats.org/officeDocument/2006/relationships" xmlns:p="http://schemas.openxmlformats.org/presentationml/2006/main">
+  <p:cSld>
+    <p:spTree>
+      <p:nvGrpSpPr>
+        <p:cNvPr id="1" name=""/>
+        <p:cNvGrpSpPr/>
+        <p:nvPr/>
+      </p:nvGrpSpPr>
+      <p:grpSpPr>
+        <a:xfrm>
+          <a:off x="0" y="0"/>
+          <a:ext cx="0" cy="0"/>
+          <a:chOff x="0" y="0"/>
+          <a:chExt cx="0" cy="0"/>
+        </a:xfrm>
+      </p:grpSpPr>
+      <p:sp>
+        <p:nvSpPr>
+          <p:cNvPr id="6" name="TextBox 5">
+            <a:extLst>
+              <a:ext uri="{FF2B5EF4-FFF2-40B4-BE49-F238E27FC236}">
+                <a16:creationId xmlns:a16="http://schemas.microsoft.com/office/drawing/2014/main" id="{F38B9AAE-1F85-F653-2D41-1D840D87FCF8}"/>
+              </a:ext>
+            </a:extLst>
+          </p:cNvPr>
+          <p:cNvSpPr txBox="1"/>
+          <p:nvPr/>
+        </p:nvSpPr>
+        <p:spPr>
+          <a:xfrm>
+            <a:off x="1687901" y="5995358"/>
+            <a:ext cx="8816197" cy="369332"/>
+          </a:xfrm>
+          <a:prstGeom prst="rect">
+            <a:avLst/>
+          </a:prstGeom>
+          <a:noFill/>
+        </p:spPr>
+        <p:txBody>
+          <a:bodyPr wrap="square" rtlCol="0">
+            <a:spAutoFit/>
+          </a:bodyPr>
+          <a:lstStyle/>
+          <a:p>
+            <a:r>
+              <a:rPr lang="en-US" dirty="0"/>
+              <a:t>Each can be PCA-ed individually – steel bolts can be superposed </a:t>
+            </a:r>
+            <a:endParaRPr lang="en-GB" dirty="0"/>
+          </a:p>
+        </p:txBody>
+      </p:sp>
+      <p:pic>
+        <p:nvPicPr>
+          <p:cNvPr id="3" name="Picture 2">
+            <a:extLst>
+              <a:ext uri="{FF2B5EF4-FFF2-40B4-BE49-F238E27FC236}">
+                <a16:creationId xmlns:a16="http://schemas.microsoft.com/office/drawing/2014/main" id="{81166202-1ADA-66B8-21C3-BF33FF20B841}"/>
+              </a:ext>
+            </a:extLst>
+          </p:cNvPr>
+          <p:cNvPicPr>
+            <a:picLocks noChangeAspect="1"/>
+          </p:cNvPicPr>
+          <p:nvPr/>
+        </p:nvPicPr>
+        <p:blipFill>
+          <a:blip r:embed="rId2"/>
+          <a:stretch>
+            <a:fillRect/>
+          </a:stretch>
+        </p:blipFill>
+        <p:spPr>
+          <a:xfrm>
+            <a:off x="753591" y="874881"/>
+            <a:ext cx="10066047" cy="4395857"/>
+          </a:xfrm>
+          <a:prstGeom prst="rect">
+            <a:avLst/>
+          </a:prstGeom>
+        </p:spPr>
+      </p:pic>
+    </p:spTree>
+    <p:extLst>
+      <p:ext uri="{BB962C8B-B14F-4D97-AF65-F5344CB8AC3E}">
+        <p14:creationId xmlns:p14="http://schemas.microsoft.com/office/powerpoint/2010/main" val="3976575625"/>
+      </p:ext>
+    </p:extLst>
+  </p:cSld>
+  <p:clrMapOvr>
+    <a:masterClrMapping/>
+  </p:clrMapOvr>
+</p:sld>
+</file>
+
+<file path=ppt/slides/slide13.xml><?xml version="1.0" encoding="utf-8"?>
+<p:sld xmlns:a="http://schemas.openxmlformats.org/drawingml/2006/main" xmlns:r="http://schemas.openxmlformats.org/officeDocument/2006/relationships" xmlns:p="http://schemas.openxmlformats.org/presentationml/2006/main">
+  <p:cSld>
+    <p:spTree>
+      <p:nvGrpSpPr>
+        <p:cNvPr id="1" name=""/>
+        <p:cNvGrpSpPr/>
+        <p:nvPr/>
+      </p:nvGrpSpPr>
+      <p:grpSpPr>
+        <a:xfrm>
+          <a:off x="0" y="0"/>
+          <a:ext cx="0" cy="0"/>
+          <a:chOff x="0" y="0"/>
+          <a:chExt cx="0" cy="0"/>
+        </a:xfrm>
+      </p:grpSpPr>
+      <p:pic>
+        <p:nvPicPr>
+          <p:cNvPr id="5" name="Picture 4">
+            <a:extLst>
+              <a:ext uri="{FF2B5EF4-FFF2-40B4-BE49-F238E27FC236}">
+                <a16:creationId xmlns:a16="http://schemas.microsoft.com/office/drawing/2014/main" id="{35A93486-A516-50B2-C8FB-A70F8927A4C1}"/>
+              </a:ext>
+            </a:extLst>
+          </p:cNvPr>
+          <p:cNvPicPr>
+            <a:picLocks noChangeAspect="1"/>
+          </p:cNvPicPr>
+          <p:nvPr/>
+        </p:nvPicPr>
+        <p:blipFill>
+          <a:blip r:embed="rId2"/>
+          <a:stretch>
+            <a:fillRect/>
+          </a:stretch>
+        </p:blipFill>
+        <p:spPr>
+          <a:xfrm>
+            <a:off x="940623" y="536959"/>
+            <a:ext cx="10310754" cy="5784081"/>
+          </a:xfrm>
+          <a:prstGeom prst="rect">
+            <a:avLst/>
+          </a:prstGeom>
+        </p:spPr>
+      </p:pic>
+    </p:spTree>
+    <p:extLst>
+      <p:ext uri="{BB962C8B-B14F-4D97-AF65-F5344CB8AC3E}">
+        <p14:creationId xmlns:p14="http://schemas.microsoft.com/office/powerpoint/2010/main" val="2440074061"/>
+      </p:ext>
+    </p:extLst>
+  </p:cSld>
+  <p:clrMapOvr>
+    <a:masterClrMapping/>
+  </p:clrMapOvr>
+</p:sld>
+</file>
+
+<file path=ppt/slides/slide14.xml><?xml version="1.0" encoding="utf-8"?>
+<p:sld xmlns:a="http://schemas.openxmlformats.org/drawingml/2006/main" xmlns:r="http://schemas.openxmlformats.org/officeDocument/2006/relationships" xmlns:p="http://schemas.openxmlformats.org/presentationml/2006/main">
+  <p:cSld>
+    <p:spTree>
+      <p:nvGrpSpPr>
+        <p:cNvPr id="1" name=""/>
+        <p:cNvGrpSpPr/>
+        <p:nvPr/>
+      </p:nvGrpSpPr>
+      <p:grpSpPr>
+        <a:xfrm>
+          <a:off x="0" y="0"/>
+          <a:ext cx="0" cy="0"/>
+          <a:chOff x="0" y="0"/>
+          <a:chExt cx="0" cy="0"/>
+        </a:xfrm>
+      </p:grpSpPr>
+      <p:sp>
+        <p:nvSpPr>
+          <p:cNvPr id="6" name="TextBox 5">
+            <a:extLst>
+              <a:ext uri="{FF2B5EF4-FFF2-40B4-BE49-F238E27FC236}">
+                <a16:creationId xmlns:a16="http://schemas.microsoft.com/office/drawing/2014/main" id="{F38B9AAE-1F85-F653-2D41-1D840D87FCF8}"/>
+              </a:ext>
+            </a:extLst>
+          </p:cNvPr>
+          <p:cNvSpPr txBox="1"/>
+          <p:nvPr/>
+        </p:nvSpPr>
+        <p:spPr>
+          <a:xfrm>
+            <a:off x="1687901" y="5995358"/>
+            <a:ext cx="8816197" cy="369332"/>
+          </a:xfrm>
+          <a:prstGeom prst="rect">
+            <a:avLst/>
+          </a:prstGeom>
+          <a:noFill/>
+        </p:spPr>
+        <p:txBody>
+          <a:bodyPr wrap="square" rtlCol="0">
+            <a:spAutoFit/>
+          </a:bodyPr>
+          <a:lstStyle/>
+          <a:p>
+            <a:r>
+              <a:rPr lang="en-US" dirty="0"/>
+              <a:t>Each can be PCA-ed individually – multi-tactile dominate clustering</a:t>
+            </a:r>
+            <a:endParaRPr lang="en-GB" dirty="0"/>
+          </a:p>
+        </p:txBody>
+      </p:sp>
+      <p:pic>
+        <p:nvPicPr>
+          <p:cNvPr id="4" name="Picture 3">
+            <a:extLst>
+              <a:ext uri="{FF2B5EF4-FFF2-40B4-BE49-F238E27FC236}">
+                <a16:creationId xmlns:a16="http://schemas.microsoft.com/office/drawing/2014/main" id="{3B7F8575-E51E-4D07-BAD6-4D5236CB2BFE}"/>
+              </a:ext>
+            </a:extLst>
+          </p:cNvPr>
+          <p:cNvPicPr>
+            <a:picLocks noChangeAspect="1"/>
+          </p:cNvPicPr>
+          <p:nvPr/>
+        </p:nvPicPr>
+        <p:blipFill>
+          <a:blip r:embed="rId2"/>
+          <a:stretch>
+            <a:fillRect/>
+          </a:stretch>
+        </p:blipFill>
+        <p:spPr>
+          <a:xfrm>
+            <a:off x="370936" y="1081278"/>
+            <a:ext cx="10335609" cy="4189462"/>
+          </a:xfrm>
+          <a:prstGeom prst="rect">
+            <a:avLst/>
+          </a:prstGeom>
+        </p:spPr>
+      </p:pic>
+    </p:spTree>
+    <p:extLst>
+      <p:ext uri="{BB962C8B-B14F-4D97-AF65-F5344CB8AC3E}">
+        <p14:creationId xmlns:p14="http://schemas.microsoft.com/office/powerpoint/2010/main" val="371409671"/>
+      </p:ext>
+    </p:extLst>
+  </p:cSld>
+  <p:clrMapOvr>
+    <a:masterClrMapping/>
+  </p:clrMapOvr>
+</p:sld>
+</file>
+
+<file path=ppt/slides/slide15.xml><?xml version="1.0" encoding="utf-8"?>
+<p:sld xmlns:a="http://schemas.openxmlformats.org/drawingml/2006/main" xmlns:r="http://schemas.openxmlformats.org/officeDocument/2006/relationships" xmlns:p="http://schemas.openxmlformats.org/presentationml/2006/main">
+  <p:cSld>
+    <p:spTree>
+      <p:nvGrpSpPr>
+        <p:cNvPr id="1" name=""/>
+        <p:cNvGrpSpPr/>
+        <p:nvPr/>
+      </p:nvGrpSpPr>
+      <p:grpSpPr>
+        <a:xfrm>
+          <a:off x="0" y="0"/>
+          <a:ext cx="0" cy="0"/>
+          <a:chOff x="0" y="0"/>
+          <a:chExt cx="0" cy="0"/>
+        </a:xfrm>
+      </p:grpSpPr>
+      <p:sp>
+        <p:nvSpPr>
+          <p:cNvPr id="6" name="TextBox 5">
+            <a:extLst>
+              <a:ext uri="{FF2B5EF4-FFF2-40B4-BE49-F238E27FC236}">
+                <a16:creationId xmlns:a16="http://schemas.microsoft.com/office/drawing/2014/main" id="{F38B9AAE-1F85-F653-2D41-1D840D87FCF8}"/>
+              </a:ext>
+            </a:extLst>
+          </p:cNvPr>
+          <p:cNvSpPr txBox="1"/>
+          <p:nvPr/>
+        </p:nvSpPr>
+        <p:spPr>
+          <a:xfrm>
+            <a:off x="1480867" y="5564037"/>
+            <a:ext cx="8816197" cy="646331"/>
+          </a:xfrm>
+          <a:prstGeom prst="rect">
+            <a:avLst/>
+          </a:prstGeom>
+          <a:noFill/>
+        </p:spPr>
+        <p:txBody>
+          <a:bodyPr wrap="square" rtlCol="0">
+            <a:spAutoFit/>
+          </a:bodyPr>
+          <a:lstStyle/>
+          <a:p>
+            <a:r>
+              <a:rPr lang="en-US" dirty="0" err="1"/>
+              <a:t>Visualise</a:t>
+            </a:r>
+            <a:r>
+              <a:rPr lang="en-US" dirty="0"/>
+              <a:t> most important electrode combinations in fingerprint for each – visualization of principal PCA direction</a:t>
+            </a:r>
+            <a:endParaRPr lang="en-GB" dirty="0"/>
+          </a:p>
+        </p:txBody>
+      </p:sp>
+      <p:pic>
+        <p:nvPicPr>
+          <p:cNvPr id="3" name="Picture 2">
+            <a:extLst>
+              <a:ext uri="{FF2B5EF4-FFF2-40B4-BE49-F238E27FC236}">
+                <a16:creationId xmlns:a16="http://schemas.microsoft.com/office/drawing/2014/main" id="{50FEE347-F525-5DBF-A9BB-A330B5A62C48}"/>
+              </a:ext>
+            </a:extLst>
+          </p:cNvPr>
+          <p:cNvPicPr>
+            <a:picLocks noChangeAspect="1"/>
+          </p:cNvPicPr>
+          <p:nvPr/>
+        </p:nvPicPr>
+        <p:blipFill>
+          <a:blip r:embed="rId2"/>
+          <a:stretch>
+            <a:fillRect/>
+          </a:stretch>
+        </p:blipFill>
+        <p:spPr>
+          <a:xfrm>
+            <a:off x="1918646" y="286276"/>
+            <a:ext cx="6112546" cy="4918289"/>
+          </a:xfrm>
+          <a:prstGeom prst="rect">
+            <a:avLst/>
+          </a:prstGeom>
+        </p:spPr>
+      </p:pic>
+    </p:spTree>
+    <p:extLst>
+      <p:ext uri="{BB962C8B-B14F-4D97-AF65-F5344CB8AC3E}">
+        <p14:creationId xmlns:p14="http://schemas.microsoft.com/office/powerpoint/2010/main" val="657065837"/>
+      </p:ext>
+    </p:extLst>
+  </p:cSld>
+  <p:clrMapOvr>
+    <a:masterClrMapping/>
+  </p:clrMapOvr>
+</p:sld>
+</file>
+
+<file path=ppt/slides/slide16.xml><?xml version="1.0" encoding="utf-8"?>
+<p:sld xmlns:a="http://schemas.openxmlformats.org/drawingml/2006/main" xmlns:r="http://schemas.openxmlformats.org/officeDocument/2006/relationships" xmlns:p="http://schemas.openxmlformats.org/presentationml/2006/main">
+  <p:cSld>
+    <p:spTree>
+      <p:nvGrpSpPr>
+        <p:cNvPr id="1" name=""/>
+        <p:cNvGrpSpPr/>
+        <p:nvPr/>
+      </p:nvGrpSpPr>
+      <p:grpSpPr>
+        <a:xfrm>
+          <a:off x="0" y="0"/>
+          <a:ext cx="0" cy="0"/>
+          <a:chOff x="0" y="0"/>
+          <a:chExt cx="0" cy="0"/>
+        </a:xfrm>
+      </p:grpSpPr>
+      <p:sp>
+        <p:nvSpPr>
+          <p:cNvPr id="6" name="TextBox 5">
+            <a:extLst>
+              <a:ext uri="{FF2B5EF4-FFF2-40B4-BE49-F238E27FC236}">
+                <a16:creationId xmlns:a16="http://schemas.microsoft.com/office/drawing/2014/main" id="{F38B9AAE-1F85-F653-2D41-1D840D87FCF8}"/>
+              </a:ext>
+            </a:extLst>
+          </p:cNvPr>
+          <p:cNvSpPr txBox="1"/>
+          <p:nvPr/>
+        </p:nvSpPr>
+        <p:spPr>
+          <a:xfrm>
+            <a:off x="1480867" y="5564037"/>
+            <a:ext cx="8816197" cy="369332"/>
+          </a:xfrm>
+          <a:prstGeom prst="rect">
+            <a:avLst/>
+          </a:prstGeom>
+          <a:noFill/>
+        </p:spPr>
+        <p:txBody>
+          <a:bodyPr wrap="square" rtlCol="0">
+            <a:spAutoFit/>
+          </a:bodyPr>
+          <a:lstStyle/>
+          <a:p>
+            <a:r>
+              <a:rPr lang="en-US" dirty="0"/>
+              <a:t>Dot product of fingerprints gives most similar modalities</a:t>
+            </a:r>
+            <a:endParaRPr lang="en-GB" dirty="0"/>
+          </a:p>
+        </p:txBody>
+      </p:sp>
+      <p:pic>
+        <p:nvPicPr>
+          <p:cNvPr id="4" name="Picture 3">
+            <a:extLst>
+              <a:ext uri="{FF2B5EF4-FFF2-40B4-BE49-F238E27FC236}">
+                <a16:creationId xmlns:a16="http://schemas.microsoft.com/office/drawing/2014/main" id="{8DFE783A-3A26-F1F9-253E-E90FEBCF1E7E}"/>
+              </a:ext>
+            </a:extLst>
+          </p:cNvPr>
+          <p:cNvPicPr>
+            <a:picLocks noChangeAspect="1"/>
+          </p:cNvPicPr>
+          <p:nvPr/>
+        </p:nvPicPr>
+        <p:blipFill>
+          <a:blip r:embed="rId2"/>
+          <a:stretch>
+            <a:fillRect/>
+          </a:stretch>
+        </p:blipFill>
+        <p:spPr>
+          <a:xfrm>
+            <a:off x="1825260" y="924631"/>
+            <a:ext cx="6501359" cy="4037881"/>
+          </a:xfrm>
+          <a:prstGeom prst="rect">
+            <a:avLst/>
+          </a:prstGeom>
+        </p:spPr>
+      </p:pic>
+    </p:spTree>
+    <p:extLst>
+      <p:ext uri="{BB962C8B-B14F-4D97-AF65-F5344CB8AC3E}">
+        <p14:creationId xmlns:p14="http://schemas.microsoft.com/office/powerpoint/2010/main" val="1690715989"/>
+      </p:ext>
+    </p:extLst>
+  </p:cSld>
+  <p:clrMapOvr>
+    <a:masterClrMapping/>
+  </p:clrMapOvr>
+</p:sld>
+</file>
+
+<file path=ppt/slides/slide17.xml><?xml version="1.0" encoding="utf-8"?>
+<p:sld xmlns:a="http://schemas.openxmlformats.org/drawingml/2006/main" xmlns:r="http://schemas.openxmlformats.org/officeDocument/2006/relationships" xmlns:p="http://schemas.openxmlformats.org/presentationml/2006/main">
+  <p:cSld>
+    <p:spTree>
+      <p:nvGrpSpPr>
+        <p:cNvPr id="1" name=""/>
+        <p:cNvGrpSpPr/>
+        <p:nvPr/>
+      </p:nvGrpSpPr>
+      <p:grpSpPr>
+        <a:xfrm>
+          <a:off x="0" y="0"/>
+          <a:ext cx="0" cy="0"/>
+          <a:chOff x="0" y="0"/>
+          <a:chExt cx="0" cy="0"/>
+        </a:xfrm>
+      </p:grpSpPr>
+      <p:pic>
+        <p:nvPicPr>
+          <p:cNvPr id="5" name="Picture 4">
+            <a:extLst>
+              <a:ext uri="{FF2B5EF4-FFF2-40B4-BE49-F238E27FC236}">
+                <a16:creationId xmlns:a16="http://schemas.microsoft.com/office/drawing/2014/main" id="{F0A829E7-A57F-A0E2-C3AB-180ACC004D2F}"/>
+              </a:ext>
+            </a:extLst>
+          </p:cNvPr>
+          <p:cNvPicPr>
+            <a:picLocks noChangeAspect="1"/>
+          </p:cNvPicPr>
+          <p:nvPr/>
+        </p:nvPicPr>
+        <p:blipFill>
+          <a:blip r:embed="rId2"/>
+          <a:stretch>
+            <a:fillRect/>
+          </a:stretch>
+        </p:blipFill>
+        <p:spPr>
+          <a:xfrm>
+            <a:off x="756747" y="1390473"/>
+            <a:ext cx="5105842" cy="4077053"/>
+          </a:xfrm>
+          <a:prstGeom prst="rect">
+            <a:avLst/>
+          </a:prstGeom>
+        </p:spPr>
+      </p:pic>
+      <p:pic>
+        <p:nvPicPr>
+          <p:cNvPr id="7" name="Picture 6">
+            <a:extLst>
+              <a:ext uri="{FF2B5EF4-FFF2-40B4-BE49-F238E27FC236}">
+                <a16:creationId xmlns:a16="http://schemas.microsoft.com/office/drawing/2014/main" id="{53D66603-B082-18EB-E218-9E2D3E6621A4}"/>
+              </a:ext>
+            </a:extLst>
+          </p:cNvPr>
+          <p:cNvPicPr>
+            <a:picLocks noChangeAspect="1"/>
+          </p:cNvPicPr>
+          <p:nvPr/>
+        </p:nvPicPr>
+        <p:blipFill>
+          <a:blip r:embed="rId3"/>
+          <a:stretch>
+            <a:fillRect/>
+          </a:stretch>
+        </p:blipFill>
+        <p:spPr>
+          <a:xfrm>
+            <a:off x="6656716" y="1200364"/>
+            <a:ext cx="4170492" cy="3224985"/>
+          </a:xfrm>
+          <a:prstGeom prst="rect">
+            <a:avLst/>
+          </a:prstGeom>
+          <a:ln w="57150">
+            <a:solidFill>
+              <a:srgbClr val="FF0000"/>
+            </a:solidFill>
+            <a:prstDash val="dash"/>
+          </a:ln>
+        </p:spPr>
+      </p:pic>
+      <p:cxnSp>
+        <p:nvCxnSpPr>
+          <p:cNvPr id="9" name="Straight Arrow Connector 8">
+            <a:extLst>
+              <a:ext uri="{FF2B5EF4-FFF2-40B4-BE49-F238E27FC236}">
+                <a16:creationId xmlns:a16="http://schemas.microsoft.com/office/drawing/2014/main" id="{AAED20C8-F056-A2B7-4164-771BE77B22D1}"/>
+              </a:ext>
+            </a:extLst>
+          </p:cNvPr>
+          <p:cNvCxnSpPr>
+            <a:cxnSpLocks/>
+          </p:cNvCxnSpPr>
+          <p:nvPr/>
+        </p:nvCxnSpPr>
+        <p:spPr>
+          <a:xfrm flipH="1">
+            <a:off x="5451894" y="3726611"/>
+            <a:ext cx="1086929" cy="465827"/>
+          </a:xfrm>
+          <a:prstGeom prst="straightConnector1">
+            <a:avLst/>
+          </a:prstGeom>
+          <a:ln w="57150">
+            <a:solidFill>
+              <a:srgbClr val="FF0000"/>
+            </a:solidFill>
+            <a:tailEnd type="triangle"/>
+          </a:ln>
+        </p:spPr>
+        <p:style>
+          <a:lnRef idx="1">
+            <a:schemeClr val="accent1"/>
+          </a:lnRef>
+          <a:fillRef idx="0">
+            <a:schemeClr val="accent1"/>
+          </a:fillRef>
+          <a:effectRef idx="0">
+            <a:schemeClr val="accent1"/>
+          </a:effectRef>
+          <a:fontRef idx="minor">
+            <a:schemeClr val="tx1"/>
+          </a:fontRef>
+        </p:style>
+      </p:cxnSp>
+      <p:sp>
+        <p:nvSpPr>
+          <p:cNvPr id="11" name="TextBox 10">
+            <a:extLst>
+              <a:ext uri="{FF2B5EF4-FFF2-40B4-BE49-F238E27FC236}">
+                <a16:creationId xmlns:a16="http://schemas.microsoft.com/office/drawing/2014/main" id="{360F098C-5203-5F79-1429-D8B1E9BDD6C0}"/>
+              </a:ext>
+            </a:extLst>
+          </p:cNvPr>
+          <p:cNvSpPr txBox="1"/>
+          <p:nvPr/>
+        </p:nvSpPr>
+        <p:spPr>
+          <a:xfrm>
+            <a:off x="1687901" y="5995358"/>
+            <a:ext cx="8816197" cy="369332"/>
+          </a:xfrm>
+          <a:prstGeom prst="rect">
+            <a:avLst/>
+          </a:prstGeom>
+          <a:noFill/>
+        </p:spPr>
+        <p:txBody>
+          <a:bodyPr wrap="square" rtlCol="0">
+            <a:spAutoFit/>
+          </a:bodyPr>
+          <a:lstStyle/>
+          <a:p>
+            <a:r>
+              <a:rPr lang="en-US" dirty="0"/>
+              <a:t>Using only </a:t>
+            </a:r>
+            <a:r>
+              <a:rPr lang="en-US" dirty="0" err="1"/>
+              <a:t>coeffs</a:t>
+            </a:r>
+            <a:r>
+              <a:rPr lang="en-US" dirty="0"/>
+              <a:t> from </a:t>
+            </a:r>
+            <a:r>
+              <a:rPr lang="en-US" dirty="0" err="1"/>
+              <a:t>steelbolts</a:t>
+            </a:r>
+            <a:r>
+              <a:rPr lang="en-US" dirty="0"/>
+              <a:t> is surprisingly effective</a:t>
+            </a:r>
+            <a:endParaRPr lang="en-GB" dirty="0"/>
+          </a:p>
+        </p:txBody>
+      </p:sp>
+    </p:spTree>
+    <p:extLst>
+      <p:ext uri="{BB962C8B-B14F-4D97-AF65-F5344CB8AC3E}">
+        <p14:creationId xmlns:p14="http://schemas.microsoft.com/office/powerpoint/2010/main" val="899224073"/>
+      </p:ext>
+    </p:extLst>
+  </p:cSld>
+  <p:clrMapOvr>
+    <a:masterClrMapping/>
+  </p:clrMapOvr>
+</p:sld>
+</file>
+
+<file path=ppt/slides/slide18.xml><?xml version="1.0" encoding="utf-8"?>
+<p:sld xmlns:a="http://schemas.openxmlformats.org/drawingml/2006/main" xmlns:r="http://schemas.openxmlformats.org/officeDocument/2006/relationships" xmlns:p="http://schemas.openxmlformats.org/presentationml/2006/main">
+  <p:cSld>
+    <p:spTree>
+      <p:nvGrpSpPr>
+        <p:cNvPr id="1" name=""/>
+        <p:cNvGrpSpPr/>
+        <p:nvPr/>
+      </p:nvGrpSpPr>
+      <p:grpSpPr>
+        <a:xfrm>
+          <a:off x="0" y="0"/>
+          <a:ext cx="0" cy="0"/>
+          <a:chOff x="0" y="0"/>
+          <a:chExt cx="0" cy="0"/>
+        </a:xfrm>
+      </p:grpSpPr>
+      <p:pic>
+        <p:nvPicPr>
+          <p:cNvPr id="5" name="Picture 4">
+            <a:extLst>
+              <a:ext uri="{FF2B5EF4-FFF2-40B4-BE49-F238E27FC236}">
+                <a16:creationId xmlns:a16="http://schemas.microsoft.com/office/drawing/2014/main" id="{F6525CB9-55E6-533B-9069-9F2C08D91842}"/>
+              </a:ext>
+            </a:extLst>
+          </p:cNvPr>
+          <p:cNvPicPr>
+            <a:picLocks noChangeAspect="1"/>
+          </p:cNvPicPr>
+          <p:nvPr/>
+        </p:nvPicPr>
+        <p:blipFill>
+          <a:blip r:embed="rId2"/>
+          <a:stretch>
+            <a:fillRect/>
+          </a:stretch>
+        </p:blipFill>
+        <p:spPr>
+          <a:xfrm>
+            <a:off x="65430" y="1192432"/>
+            <a:ext cx="4831499" cy="3886537"/>
+          </a:xfrm>
+          <a:prstGeom prst="rect">
+            <a:avLst/>
+          </a:prstGeom>
+        </p:spPr>
+      </p:pic>
+      <p:pic>
+        <p:nvPicPr>
+          <p:cNvPr id="7" name="Picture 6">
+            <a:extLst>
+              <a:ext uri="{FF2B5EF4-FFF2-40B4-BE49-F238E27FC236}">
+                <a16:creationId xmlns:a16="http://schemas.microsoft.com/office/drawing/2014/main" id="{2A2E1215-F57C-AEB2-33B3-8ECD980D1586}"/>
+              </a:ext>
+            </a:extLst>
+          </p:cNvPr>
+          <p:cNvPicPr>
+            <a:picLocks noChangeAspect="1"/>
+          </p:cNvPicPr>
+          <p:nvPr/>
+        </p:nvPicPr>
+        <p:blipFill>
+          <a:blip r:embed="rId3"/>
+          <a:stretch>
+            <a:fillRect/>
+          </a:stretch>
+        </p:blipFill>
+        <p:spPr>
+          <a:xfrm>
+            <a:off x="5318476" y="1329604"/>
+            <a:ext cx="4884843" cy="3749365"/>
+          </a:xfrm>
+          <a:prstGeom prst="rect">
+            <a:avLst/>
+          </a:prstGeom>
+        </p:spPr>
+      </p:pic>
+      <p:sp>
+        <p:nvSpPr>
+          <p:cNvPr id="9" name="TextBox 8">
+            <a:extLst>
+              <a:ext uri="{FF2B5EF4-FFF2-40B4-BE49-F238E27FC236}">
+                <a16:creationId xmlns:a16="http://schemas.microsoft.com/office/drawing/2014/main" id="{3245C429-5D67-1E2E-2435-BD89D39BE45E}"/>
+              </a:ext>
+            </a:extLst>
+          </p:cNvPr>
+          <p:cNvSpPr txBox="1"/>
+          <p:nvPr/>
+        </p:nvSpPr>
+        <p:spPr>
+          <a:xfrm>
+            <a:off x="1687901" y="5995358"/>
+            <a:ext cx="8816197" cy="369332"/>
+          </a:xfrm>
+          <a:prstGeom prst="rect">
+            <a:avLst/>
+          </a:prstGeom>
+          <a:noFill/>
+        </p:spPr>
+        <p:txBody>
+          <a:bodyPr wrap="square" rtlCol="0">
+            <a:spAutoFit/>
+          </a:bodyPr>
+          <a:lstStyle/>
+          <a:p>
+            <a:r>
+              <a:rPr lang="en-US" dirty="0"/>
+              <a:t>Can track melting path from </a:t>
+            </a:r>
+            <a:r>
+              <a:rPr lang="en-US" dirty="0" err="1"/>
+              <a:t>steelbolt</a:t>
+            </a:r>
+            <a:r>
+              <a:rPr lang="en-US" dirty="0"/>
+              <a:t> axes – though much noisier in phase space</a:t>
+            </a:r>
+            <a:endParaRPr lang="en-GB" dirty="0"/>
+          </a:p>
+        </p:txBody>
+      </p:sp>
+      <p:sp>
+        <p:nvSpPr>
+          <p:cNvPr id="10" name="TextBox 9">
+            <a:extLst>
+              <a:ext uri="{FF2B5EF4-FFF2-40B4-BE49-F238E27FC236}">
+                <a16:creationId xmlns:a16="http://schemas.microsoft.com/office/drawing/2014/main" id="{35B3393B-93B6-D8EC-2128-06010328E75C}"/>
+              </a:ext>
+            </a:extLst>
+          </p:cNvPr>
+          <p:cNvSpPr txBox="1"/>
+          <p:nvPr/>
+        </p:nvSpPr>
+        <p:spPr>
+          <a:xfrm>
+            <a:off x="2413667" y="823100"/>
+            <a:ext cx="648712" cy="369332"/>
+          </a:xfrm>
+          <a:prstGeom prst="rect">
+            <a:avLst/>
+          </a:prstGeom>
+          <a:noFill/>
+        </p:spPr>
+        <p:txBody>
+          <a:bodyPr wrap="square" rtlCol="0">
+            <a:spAutoFit/>
+          </a:bodyPr>
+          <a:lstStyle/>
+          <a:p>
+            <a:r>
+              <a:rPr lang="en-US" dirty="0"/>
+              <a:t>RMS</a:t>
+            </a:r>
+            <a:endParaRPr lang="en-GB" dirty="0"/>
+          </a:p>
+        </p:txBody>
+      </p:sp>
+      <p:sp>
+        <p:nvSpPr>
+          <p:cNvPr id="11" name="TextBox 10">
+            <a:extLst>
+              <a:ext uri="{FF2B5EF4-FFF2-40B4-BE49-F238E27FC236}">
+                <a16:creationId xmlns:a16="http://schemas.microsoft.com/office/drawing/2014/main" id="{A8D1E1B3-6E15-714D-54FF-975D7AB3688B}"/>
+              </a:ext>
+            </a:extLst>
+          </p:cNvPr>
+          <p:cNvSpPr txBox="1"/>
+          <p:nvPr/>
+        </p:nvSpPr>
+        <p:spPr>
+          <a:xfrm>
+            <a:off x="7709432" y="823100"/>
+            <a:ext cx="864078" cy="369332"/>
+          </a:xfrm>
+          <a:prstGeom prst="rect">
+            <a:avLst/>
+          </a:prstGeom>
+          <a:noFill/>
+        </p:spPr>
+        <p:txBody>
+          <a:bodyPr wrap="square" rtlCol="0">
+            <a:spAutoFit/>
+          </a:bodyPr>
+          <a:lstStyle/>
+          <a:p>
+            <a:r>
+              <a:rPr lang="en-US" dirty="0"/>
+              <a:t>Phase</a:t>
+            </a:r>
+            <a:endParaRPr lang="en-GB" dirty="0"/>
+          </a:p>
+        </p:txBody>
+      </p:sp>
+    </p:spTree>
+    <p:extLst>
+      <p:ext uri="{BB962C8B-B14F-4D97-AF65-F5344CB8AC3E}">
+        <p14:creationId xmlns:p14="http://schemas.microsoft.com/office/powerpoint/2010/main" val="386153485"/>
+      </p:ext>
+    </p:extLst>
+  </p:cSld>
+  <p:clrMapOvr>
+    <a:masterClrMapping/>
+  </p:clrMapOvr>
+</p:sld>
+</file>
+
+<file path=ppt/slides/slide19.xml><?xml version="1.0" encoding="utf-8"?>
+<p:sld xmlns:a="http://schemas.openxmlformats.org/drawingml/2006/main" xmlns:r="http://schemas.openxmlformats.org/officeDocument/2006/relationships" xmlns:p="http://schemas.openxmlformats.org/presentationml/2006/main">
+  <p:cSld>
+    <p:spTree>
+      <p:nvGrpSpPr>
+        <p:cNvPr id="1" name=""/>
+        <p:cNvGrpSpPr/>
+        <p:nvPr/>
+      </p:nvGrpSpPr>
+      <p:grpSpPr>
+        <a:xfrm>
+          <a:off x="0" y="0"/>
+          <a:ext cx="0" cy="0"/>
+          <a:chOff x="0" y="0"/>
+          <a:chExt cx="0" cy="0"/>
+        </a:xfrm>
+      </p:grpSpPr>
+      <p:pic>
+        <p:nvPicPr>
+          <p:cNvPr id="5" name="Picture 4">
+            <a:extLst>
+              <a:ext uri="{FF2B5EF4-FFF2-40B4-BE49-F238E27FC236}">
                 <a16:creationId xmlns:a16="http://schemas.microsoft.com/office/drawing/2014/main" id="{1A3F8563-8E64-E0EC-05AE-D64F76EC6185}"/>
               </a:ext>
             </a:extLst>
@@ -3541,7 +5105,7 @@
           <p:cNvPr id="5" name="Picture 4">
             <a:extLst>
               <a:ext uri="{FF2B5EF4-FFF2-40B4-BE49-F238E27FC236}">
-                <a16:creationId xmlns:a16="http://schemas.microsoft.com/office/drawing/2014/main" id="{63AE5EF2-B8ED-EEC1-5C30-1093037A6EB3}"/>
+                <a16:creationId xmlns:a16="http://schemas.microsoft.com/office/drawing/2014/main" id="{BCFA587D-367F-90F2-C119-12CA3978A893}"/>
               </a:ext>
             </a:extLst>
           </p:cNvPr>
@@ -3558,8 +5122,8 @@
         </p:blipFill>
         <p:spPr>
           <a:xfrm>
-            <a:off x="514544" y="970273"/>
-            <a:ext cx="10455546" cy="4572396"/>
+            <a:off x="523682" y="1270571"/>
+            <a:ext cx="11385267" cy="3787468"/>
           </a:xfrm>
           <a:prstGeom prst="rect">
             <a:avLst/>
@@ -3571,7 +5135,7 @@
           <p:cNvPr id="6" name="TextBox 5">
             <a:extLst>
               <a:ext uri="{FF2B5EF4-FFF2-40B4-BE49-F238E27FC236}">
-                <a16:creationId xmlns:a16="http://schemas.microsoft.com/office/drawing/2014/main" id="{01CCD4FF-F76B-401B-7584-FCBB54B6270B}"/>
+                <a16:creationId xmlns:a16="http://schemas.microsoft.com/office/drawing/2014/main" id="{941A9B4E-65CB-99E7-1F18-3B61DA1E9F8E}"/>
               </a:ext>
             </a:extLst>
           </p:cNvPr>
@@ -3580,7 +5144,7 @@
         </p:nvSpPr>
         <p:spPr>
           <a:xfrm>
-            <a:off x="1687901" y="5995358"/>
+            <a:off x="2016765" y="5714621"/>
             <a:ext cx="8816197" cy="369332"/>
           </a:xfrm>
           <a:prstGeom prst="rect">
@@ -3596,7 +5160,7 @@
           <a:p>
             <a:r>
               <a:rPr lang="en-US" dirty="0"/>
-              <a:t>TSNE Clustering – all with events overlaid. 10krms from here unless otherwise specified.</a:t>
+              <a:t>From a single frame of data – these black lines would be zero in an ideal system</a:t>
             </a:r>
             <a:endParaRPr lang="en-GB" dirty="0"/>
           </a:p>
@@ -3605,7 +5169,7 @@
     </p:spTree>
     <p:extLst>
       <p:ext uri="{BB962C8B-B14F-4D97-AF65-F5344CB8AC3E}">
-        <p14:creationId xmlns:p14="http://schemas.microsoft.com/office/powerpoint/2010/main" val="1789624668"/>
+        <p14:creationId xmlns:p14="http://schemas.microsoft.com/office/powerpoint/2010/main" val="3741777367"/>
       </p:ext>
     </p:extLst>
   </p:cSld>
@@ -3634,10 +5198,10 @@
       </p:grpSpPr>
       <p:pic>
         <p:nvPicPr>
-          <p:cNvPr id="5" name="Picture 4">
-            <a:extLst>
-              <a:ext uri="{FF2B5EF4-FFF2-40B4-BE49-F238E27FC236}">
-                <a16:creationId xmlns:a16="http://schemas.microsoft.com/office/drawing/2014/main" id="{7AE1B0CA-DB51-39F2-706E-E9CF6ACAED8B}"/>
+          <p:cNvPr id="4" name="Picture 3">
+            <a:extLst>
+              <a:ext uri="{FF2B5EF4-FFF2-40B4-BE49-F238E27FC236}">
+                <a16:creationId xmlns:a16="http://schemas.microsoft.com/office/drawing/2014/main" id="{0553865F-8D65-F549-D5E0-D510B0B36D55}"/>
               </a:ext>
             </a:extLst>
           </p:cNvPr>
@@ -3646,28 +5210,69 @@
           </p:cNvPicPr>
           <p:nvPr/>
         </p:nvPicPr>
-        <p:blipFill>
+        <p:blipFill rotWithShape="1">
           <a:blip r:embed="rId2"/>
-          <a:stretch>
-            <a:fillRect/>
-          </a:stretch>
+          <a:srcRect r="54085"/>
+          <a:stretch/>
         </p:blipFill>
         <p:spPr>
           <a:xfrm>
-            <a:off x="2966172" y="805946"/>
-            <a:ext cx="5448772" cy="4435224"/>
+            <a:off x="218883" y="1278592"/>
+            <a:ext cx="5227412" cy="3787468"/>
           </a:xfrm>
           <a:prstGeom prst="rect">
             <a:avLst/>
           </a:prstGeom>
         </p:spPr>
       </p:pic>
-      <p:sp>
-        <p:nvSpPr>
-          <p:cNvPr id="6" name="TextBox 5">
-            <a:extLst>
-              <a:ext uri="{FF2B5EF4-FFF2-40B4-BE49-F238E27FC236}">
-                <a16:creationId xmlns:a16="http://schemas.microsoft.com/office/drawing/2014/main" id="{F38B9AAE-1F85-F653-2D41-1D840D87FCF8}"/>
+      <p:cxnSp>
+        <p:nvCxnSpPr>
+          <p:cNvPr id="6" name="Straight Arrow Connector 5">
+            <a:extLst>
+              <a:ext uri="{FF2B5EF4-FFF2-40B4-BE49-F238E27FC236}">
+                <a16:creationId xmlns:a16="http://schemas.microsoft.com/office/drawing/2014/main" id="{5D704FFE-6B45-2664-7965-0814AE3A036A}"/>
+              </a:ext>
+            </a:extLst>
+          </p:cNvPr>
+          <p:cNvCxnSpPr/>
+          <p:nvPr/>
+        </p:nvCxnSpPr>
+        <p:spPr>
+          <a:xfrm flipH="1">
+            <a:off x="4868779" y="2574758"/>
+            <a:ext cx="1403684" cy="489284"/>
+          </a:xfrm>
+          <a:prstGeom prst="straightConnector1">
+            <a:avLst/>
+          </a:prstGeom>
+          <a:ln w="38100">
+            <a:solidFill>
+              <a:srgbClr val="FF0000"/>
+            </a:solidFill>
+            <a:tailEnd type="triangle"/>
+          </a:ln>
+        </p:spPr>
+        <p:style>
+          <a:lnRef idx="1">
+            <a:schemeClr val="accent1"/>
+          </a:lnRef>
+          <a:fillRef idx="0">
+            <a:schemeClr val="accent1"/>
+          </a:fillRef>
+          <a:effectRef idx="0">
+            <a:schemeClr val="accent1"/>
+          </a:effectRef>
+          <a:fontRef idx="minor">
+            <a:schemeClr val="tx1"/>
+          </a:fontRef>
+        </p:style>
+      </p:cxnSp>
+      <p:sp>
+        <p:nvSpPr>
+          <p:cNvPr id="7" name="TextBox 6">
+            <a:extLst>
+              <a:ext uri="{FF2B5EF4-FFF2-40B4-BE49-F238E27FC236}">
+                <a16:creationId xmlns:a16="http://schemas.microsoft.com/office/drawing/2014/main" id="{A3D08E1F-96A0-BB71-5462-48A6711A1098}"/>
               </a:ext>
             </a:extLst>
           </p:cNvPr>
@@ -3676,8 +5281,8 @@
         </p:nvSpPr>
         <p:spPr>
           <a:xfrm>
-            <a:off x="1687901" y="5995358"/>
-            <a:ext cx="8816197" cy="369332"/>
+            <a:off x="6096000" y="2024937"/>
+            <a:ext cx="5227413" cy="369332"/>
           </a:xfrm>
           <a:prstGeom prst="rect">
             <a:avLst/>
@@ -3692,24 +5297,60 @@
           <a:p>
             <a:r>
               <a:rPr lang="en-US" dirty="0"/>
-              <a:t>PCA 2D with all. Multi-tactile dominate, and </a:t>
-            </a:r>
-            <a:r>
-              <a:rPr lang="en-US" dirty="0" err="1"/>
-              <a:t>presshuman</a:t>
-            </a:r>
-            <a:r>
-              <a:rPr lang="en-US" dirty="0"/>
-              <a:t> very similar to pure touching.</a:t>
+              <a:t>The shape of this black line is surprisingly repeatable.</a:t>
             </a:r>
             <a:endParaRPr lang="en-GB" dirty="0"/>
+          </a:p>
+        </p:txBody>
+      </p:sp>
+      <p:sp>
+        <p:nvSpPr>
+          <p:cNvPr id="8" name="TextBox 7">
+            <a:extLst>
+              <a:ext uri="{FF2B5EF4-FFF2-40B4-BE49-F238E27FC236}">
+                <a16:creationId xmlns:a16="http://schemas.microsoft.com/office/drawing/2014/main" id="{69E01539-14E0-4882-605C-724F94923C18}"/>
+              </a:ext>
+            </a:extLst>
+          </p:cNvPr>
+          <p:cNvSpPr txBox="1"/>
+          <p:nvPr/>
+        </p:nvSpPr>
+        <p:spPr>
+          <a:xfrm>
+            <a:off x="8228443" y="2303859"/>
+            <a:ext cx="962526" cy="369332"/>
+          </a:xfrm>
+          <a:prstGeom prst="rect">
+            <a:avLst/>
+          </a:prstGeom>
+          <a:noFill/>
+        </p:spPr>
+        <p:txBody>
+          <a:bodyPr wrap="square" rtlCol="0">
+            <a:spAutoFit/>
+          </a:bodyPr>
+          <a:lstStyle/>
+          <a:p>
+            <a:r>
+              <a:rPr lang="en-US" b="1" dirty="0">
+                <a:solidFill>
+                  <a:srgbClr val="FF0000"/>
+                </a:solidFill>
+              </a:rPr>
+              <a:t>Why?</a:t>
+            </a:r>
+            <a:endParaRPr lang="en-GB" b="1" dirty="0">
+              <a:solidFill>
+                <a:srgbClr val="FF0000"/>
+              </a:solidFill>
+            </a:endParaRPr>
           </a:p>
         </p:txBody>
       </p:sp>
     </p:spTree>
     <p:extLst>
       <p:ext uri="{BB962C8B-B14F-4D97-AF65-F5344CB8AC3E}">
-        <p14:creationId xmlns:p14="http://schemas.microsoft.com/office/powerpoint/2010/main" val="807563530"/>
+        <p14:creationId xmlns:p14="http://schemas.microsoft.com/office/powerpoint/2010/main" val="1006601606"/>
       </p:ext>
     </p:extLst>
   </p:cSld>
@@ -3738,10 +5379,10 @@
       </p:grpSpPr>
       <p:sp>
         <p:nvSpPr>
-          <p:cNvPr id="6" name="TextBox 5">
-            <a:extLst>
-              <a:ext uri="{FF2B5EF4-FFF2-40B4-BE49-F238E27FC236}">
-                <a16:creationId xmlns:a16="http://schemas.microsoft.com/office/drawing/2014/main" id="{F38B9AAE-1F85-F653-2D41-1D840D87FCF8}"/>
+          <p:cNvPr id="4" name="TextBox 3">
+            <a:extLst>
+              <a:ext uri="{FF2B5EF4-FFF2-40B4-BE49-F238E27FC236}">
+                <a16:creationId xmlns:a16="http://schemas.microsoft.com/office/drawing/2014/main" id="{EF3FDE83-E529-C817-DD55-82C54A2042FD}"/>
               </a:ext>
             </a:extLst>
           </p:cNvPr>
@@ -3750,8 +5391,8 @@
         </p:nvSpPr>
         <p:spPr>
           <a:xfrm>
-            <a:off x="1687901" y="5995358"/>
-            <a:ext cx="8816197" cy="369332"/>
+            <a:off x="605328" y="1031141"/>
+            <a:ext cx="2374231" cy="369332"/>
           </a:xfrm>
           <a:prstGeom prst="rect">
             <a:avLst/>
@@ -3765,8 +5406,164 @@
           <a:lstStyle/>
           <a:p>
             <a:r>
+              <a:rPr lang="en-US" dirty="0" err="1"/>
+              <a:t>Steelbolts</a:t>
+            </a:r>
+            <a:r>
               <a:rPr lang="en-US" dirty="0"/>
-              <a:t>Each can be PCA-ed individually – steel bolts can be superposed </a:t>
+              <a:t> with stimuli</a:t>
+            </a:r>
+            <a:endParaRPr lang="en-GB" dirty="0"/>
+          </a:p>
+        </p:txBody>
+      </p:sp>
+      <p:sp>
+        <p:nvSpPr>
+          <p:cNvPr id="5" name="TextBox 4">
+            <a:extLst>
+              <a:ext uri="{FF2B5EF4-FFF2-40B4-BE49-F238E27FC236}">
+                <a16:creationId xmlns:a16="http://schemas.microsoft.com/office/drawing/2014/main" id="{8B8B7979-4190-757F-963D-1F2D4452BD90}"/>
+              </a:ext>
+            </a:extLst>
+          </p:cNvPr>
+          <p:cNvSpPr txBox="1"/>
+          <p:nvPr/>
+        </p:nvSpPr>
+        <p:spPr>
+          <a:xfrm>
+            <a:off x="401052" y="420908"/>
+            <a:ext cx="6617369" cy="369332"/>
+          </a:xfrm>
+          <a:prstGeom prst="rect">
+            <a:avLst/>
+          </a:prstGeom>
+          <a:noFill/>
+        </p:spPr>
+        <p:txBody>
+          <a:bodyPr wrap="square" rtlCol="0">
+            <a:spAutoFit/>
+          </a:bodyPr>
+          <a:lstStyle/>
+          <a:p>
+            <a:r>
+              <a:rPr lang="en-US" b="1" dirty="0"/>
+              <a:t>Subtract empty </a:t>
+            </a:r>
+            <a:r>
+              <a:rPr lang="en-US" b="1" dirty="0" err="1"/>
+              <a:t>steelbolts</a:t>
+            </a:r>
+            <a:r>
+              <a:rPr lang="en-US" b="1" dirty="0"/>
+              <a:t> errors from other modality errors…</a:t>
+            </a:r>
+            <a:endParaRPr lang="en-GB" b="1" dirty="0"/>
+          </a:p>
+        </p:txBody>
+      </p:sp>
+      <p:sp>
+        <p:nvSpPr>
+          <p:cNvPr id="6" name="TextBox 5">
+            <a:extLst>
+              <a:ext uri="{FF2B5EF4-FFF2-40B4-BE49-F238E27FC236}">
+                <a16:creationId xmlns:a16="http://schemas.microsoft.com/office/drawing/2014/main" id="{5A3C5039-A9C7-67B2-0B71-19EABA8E16AE}"/>
+              </a:ext>
+            </a:extLst>
+          </p:cNvPr>
+          <p:cNvSpPr txBox="1"/>
+          <p:nvPr/>
+        </p:nvSpPr>
+        <p:spPr>
+          <a:xfrm>
+            <a:off x="1320949" y="4000650"/>
+            <a:ext cx="1050758" cy="369332"/>
+          </a:xfrm>
+          <a:prstGeom prst="rect">
+            <a:avLst/>
+          </a:prstGeom>
+          <a:noFill/>
+        </p:spPr>
+        <p:txBody>
+          <a:bodyPr wrap="square" rtlCol="0">
+            <a:spAutoFit/>
+          </a:bodyPr>
+          <a:lstStyle/>
+          <a:p>
+            <a:r>
+              <a:rPr lang="en-US" dirty="0"/>
+              <a:t>Melting</a:t>
+            </a:r>
+            <a:endParaRPr lang="en-GB" dirty="0"/>
+          </a:p>
+        </p:txBody>
+      </p:sp>
+      <p:sp>
+        <p:nvSpPr>
+          <p:cNvPr id="7" name="TextBox 6">
+            <a:extLst>
+              <a:ext uri="{FF2B5EF4-FFF2-40B4-BE49-F238E27FC236}">
+                <a16:creationId xmlns:a16="http://schemas.microsoft.com/office/drawing/2014/main" id="{BD821CCF-AD24-9EED-B997-380A018FEFB3}"/>
+              </a:ext>
+            </a:extLst>
+          </p:cNvPr>
+          <p:cNvSpPr txBox="1"/>
+          <p:nvPr/>
+        </p:nvSpPr>
+        <p:spPr>
+          <a:xfrm>
+            <a:off x="9380620" y="1205922"/>
+            <a:ext cx="1808747" cy="369332"/>
+          </a:xfrm>
+          <a:prstGeom prst="rect">
+            <a:avLst/>
+          </a:prstGeom>
+          <a:noFill/>
+        </p:spPr>
+        <p:txBody>
+          <a:bodyPr wrap="square" rtlCol="0">
+            <a:spAutoFit/>
+          </a:bodyPr>
+          <a:lstStyle/>
+          <a:p>
+            <a:r>
+              <a:rPr lang="en-US" dirty="0"/>
+              <a:t>Damages (start)</a:t>
+            </a:r>
+            <a:endParaRPr lang="en-GB" dirty="0"/>
+          </a:p>
+        </p:txBody>
+      </p:sp>
+      <p:sp>
+        <p:nvSpPr>
+          <p:cNvPr id="8" name="TextBox 7">
+            <a:extLst>
+              <a:ext uri="{FF2B5EF4-FFF2-40B4-BE49-F238E27FC236}">
+                <a16:creationId xmlns:a16="http://schemas.microsoft.com/office/drawing/2014/main" id="{0269E645-92B3-C5E2-DF9B-75AB30922827}"/>
+              </a:ext>
+            </a:extLst>
+          </p:cNvPr>
+          <p:cNvSpPr txBox="1"/>
+          <p:nvPr/>
+        </p:nvSpPr>
+        <p:spPr>
+          <a:xfrm>
+            <a:off x="9220198" y="3815984"/>
+            <a:ext cx="1808747" cy="369332"/>
+          </a:xfrm>
+          <a:prstGeom prst="rect">
+            <a:avLst/>
+          </a:prstGeom>
+          <a:noFill/>
+        </p:spPr>
+        <p:txBody>
+          <a:bodyPr wrap="square" rtlCol="0">
+            <a:spAutoFit/>
+          </a:bodyPr>
+          <a:lstStyle/>
+          <a:p>
+            <a:r>
+              <a:rPr lang="en-US" dirty="0"/>
+              <a:t>Damages (end)</a:t>
             </a:r>
             <a:endParaRPr lang="en-GB" dirty="0"/>
           </a:p>
@@ -3774,10 +5571,10 @@
       </p:sp>
       <p:pic>
         <p:nvPicPr>
-          <p:cNvPr id="3" name="Picture 2">
-            <a:extLst>
-              <a:ext uri="{FF2B5EF4-FFF2-40B4-BE49-F238E27FC236}">
-                <a16:creationId xmlns:a16="http://schemas.microsoft.com/office/drawing/2014/main" id="{81166202-1ADA-66B8-21C3-BF33FF20B841}"/>
+          <p:cNvPr id="10" name="Picture 9">
+            <a:extLst>
+              <a:ext uri="{FF2B5EF4-FFF2-40B4-BE49-F238E27FC236}">
+                <a16:creationId xmlns:a16="http://schemas.microsoft.com/office/drawing/2014/main" id="{68FAA7E7-68A5-C23C-28AB-6A616D3BC108}"/>
               </a:ext>
             </a:extLst>
           </p:cNvPr>
@@ -3794,18 +5591,240 @@
         </p:blipFill>
         <p:spPr>
           <a:xfrm>
-            <a:off x="753591" y="874881"/>
-            <a:ext cx="10066047" cy="4395857"/>
+            <a:off x="336312" y="1313094"/>
+            <a:ext cx="2932006" cy="2361503"/>
           </a:xfrm>
           <a:prstGeom prst="rect">
             <a:avLst/>
           </a:prstGeom>
         </p:spPr>
       </p:pic>
+      <p:pic>
+        <p:nvPicPr>
+          <p:cNvPr id="12" name="Picture 11">
+            <a:extLst>
+              <a:ext uri="{FF2B5EF4-FFF2-40B4-BE49-F238E27FC236}">
+                <a16:creationId xmlns:a16="http://schemas.microsoft.com/office/drawing/2014/main" id="{641865EE-B5C4-8F3F-F524-533A0CF89A74}"/>
+              </a:ext>
+            </a:extLst>
+          </p:cNvPr>
+          <p:cNvPicPr>
+            <a:picLocks noChangeAspect="1"/>
+          </p:cNvPicPr>
+          <p:nvPr/>
+        </p:nvPicPr>
+        <p:blipFill>
+          <a:blip r:embed="rId3"/>
+          <a:stretch>
+            <a:fillRect/>
+          </a:stretch>
+        </p:blipFill>
+        <p:spPr>
+          <a:xfrm>
+            <a:off x="336312" y="4381721"/>
+            <a:ext cx="3020033" cy="2326370"/>
+          </a:xfrm>
+          <a:prstGeom prst="rect">
+            <a:avLst/>
+          </a:prstGeom>
+        </p:spPr>
+      </p:pic>
+      <p:pic>
+        <p:nvPicPr>
+          <p:cNvPr id="14" name="Picture 13">
+            <a:extLst>
+              <a:ext uri="{FF2B5EF4-FFF2-40B4-BE49-F238E27FC236}">
+                <a16:creationId xmlns:a16="http://schemas.microsoft.com/office/drawing/2014/main" id="{86FDF8B2-B7F6-14CF-08CC-FAEAEA1105B7}"/>
+              </a:ext>
+            </a:extLst>
+          </p:cNvPr>
+          <p:cNvPicPr>
+            <a:picLocks noChangeAspect="1"/>
+          </p:cNvPicPr>
+          <p:nvPr/>
+        </p:nvPicPr>
+        <p:blipFill>
+          <a:blip r:embed="rId4"/>
+          <a:stretch>
+            <a:fillRect/>
+          </a:stretch>
+        </p:blipFill>
+        <p:spPr>
+          <a:xfrm>
+            <a:off x="8752971" y="1621124"/>
+            <a:ext cx="2743200" cy="2103120"/>
+          </a:xfrm>
+          <a:prstGeom prst="rect">
+            <a:avLst/>
+          </a:prstGeom>
+        </p:spPr>
+      </p:pic>
+      <p:pic>
+        <p:nvPicPr>
+          <p:cNvPr id="16" name="Picture 15">
+            <a:extLst>
+              <a:ext uri="{FF2B5EF4-FFF2-40B4-BE49-F238E27FC236}">
+                <a16:creationId xmlns:a16="http://schemas.microsoft.com/office/drawing/2014/main" id="{303DAF64-B001-7D07-2213-797E9885E552}"/>
+              </a:ext>
+            </a:extLst>
+          </p:cNvPr>
+          <p:cNvPicPr>
+            <a:picLocks noChangeAspect="1"/>
+          </p:cNvPicPr>
+          <p:nvPr/>
+        </p:nvPicPr>
+        <p:blipFill>
+          <a:blip r:embed="rId5"/>
+          <a:stretch>
+            <a:fillRect/>
+          </a:stretch>
+        </p:blipFill>
+        <p:spPr>
+          <a:xfrm>
+            <a:off x="8752972" y="4185316"/>
+            <a:ext cx="2743200" cy="2089648"/>
+          </a:xfrm>
+          <a:prstGeom prst="rect">
+            <a:avLst/>
+          </a:prstGeom>
+        </p:spPr>
+      </p:pic>
+      <p:pic>
+        <p:nvPicPr>
+          <p:cNvPr id="18" name="Picture 17">
+            <a:extLst>
+              <a:ext uri="{FF2B5EF4-FFF2-40B4-BE49-F238E27FC236}">
+                <a16:creationId xmlns:a16="http://schemas.microsoft.com/office/drawing/2014/main" id="{92B7F0FA-CF31-0082-40C3-12F7B4558E7F}"/>
+              </a:ext>
+            </a:extLst>
+          </p:cNvPr>
+          <p:cNvPicPr>
+            <a:picLocks noChangeAspect="1"/>
+          </p:cNvPicPr>
+          <p:nvPr/>
+        </p:nvPicPr>
+        <p:blipFill>
+          <a:blip r:embed="rId6"/>
+          <a:stretch>
+            <a:fillRect/>
+          </a:stretch>
+        </p:blipFill>
+        <p:spPr>
+          <a:xfrm>
+            <a:off x="4374841" y="4000650"/>
+            <a:ext cx="3140885" cy="2432598"/>
+          </a:xfrm>
+          <a:prstGeom prst="rect">
+            <a:avLst/>
+          </a:prstGeom>
+        </p:spPr>
+      </p:pic>
+      <p:sp>
+        <p:nvSpPr>
+          <p:cNvPr id="19" name="TextBox 18">
+            <a:extLst>
+              <a:ext uri="{FF2B5EF4-FFF2-40B4-BE49-F238E27FC236}">
+                <a16:creationId xmlns:a16="http://schemas.microsoft.com/office/drawing/2014/main" id="{FBB7D38F-6240-2A6C-9AF6-F7CC527B347D}"/>
+              </a:ext>
+            </a:extLst>
+          </p:cNvPr>
+          <p:cNvSpPr txBox="1"/>
+          <p:nvPr/>
+        </p:nvSpPr>
+        <p:spPr>
+          <a:xfrm>
+            <a:off x="3806758" y="6275236"/>
+            <a:ext cx="4578483" cy="369332"/>
+          </a:xfrm>
+          <a:prstGeom prst="rect">
+            <a:avLst/>
+          </a:prstGeom>
+          <a:noFill/>
+        </p:spPr>
+        <p:txBody>
+          <a:bodyPr wrap="square" rtlCol="0">
+            <a:spAutoFit/>
+          </a:bodyPr>
+          <a:lstStyle/>
+          <a:p>
+            <a:r>
+              <a:rPr lang="en-US" dirty="0"/>
+              <a:t>Hemisphere (error shape changes with setup)</a:t>
+            </a:r>
+            <a:endParaRPr lang="en-GB" dirty="0"/>
+          </a:p>
+        </p:txBody>
+      </p:sp>
+      <p:pic>
+        <p:nvPicPr>
+          <p:cNvPr id="21" name="Picture 20">
+            <a:extLst>
+              <a:ext uri="{FF2B5EF4-FFF2-40B4-BE49-F238E27FC236}">
+                <a16:creationId xmlns:a16="http://schemas.microsoft.com/office/drawing/2014/main" id="{728E8AFF-EF33-DCF3-2923-E5A0F3AAFB1C}"/>
+              </a:ext>
+            </a:extLst>
+          </p:cNvPr>
+          <p:cNvPicPr>
+            <a:picLocks noChangeAspect="1"/>
+          </p:cNvPicPr>
+          <p:nvPr/>
+        </p:nvPicPr>
+        <p:blipFill>
+          <a:blip r:embed="rId7"/>
+          <a:stretch>
+            <a:fillRect/>
+          </a:stretch>
+        </p:blipFill>
+        <p:spPr>
+          <a:xfrm>
+            <a:off x="4544641" y="1485930"/>
+            <a:ext cx="2932006" cy="2238314"/>
+          </a:xfrm>
+          <a:prstGeom prst="rect">
+            <a:avLst/>
+          </a:prstGeom>
+        </p:spPr>
+      </p:pic>
+      <p:sp>
+        <p:nvSpPr>
+          <p:cNvPr id="22" name="TextBox 21">
+            <a:extLst>
+              <a:ext uri="{FF2B5EF4-FFF2-40B4-BE49-F238E27FC236}">
+                <a16:creationId xmlns:a16="http://schemas.microsoft.com/office/drawing/2014/main" id="{EE5CC365-06D3-41CC-628A-5704183071FC}"/>
+              </a:ext>
+            </a:extLst>
+          </p:cNvPr>
+          <p:cNvSpPr txBox="1"/>
+          <p:nvPr/>
+        </p:nvSpPr>
+        <p:spPr>
+          <a:xfrm>
+            <a:off x="5409424" y="1073486"/>
+            <a:ext cx="1541331" cy="369332"/>
+          </a:xfrm>
+          <a:prstGeom prst="rect">
+            <a:avLst/>
+          </a:prstGeom>
+          <a:noFill/>
+        </p:spPr>
+        <p:txBody>
+          <a:bodyPr wrap="square" rtlCol="0">
+            <a:spAutoFit/>
+          </a:bodyPr>
+          <a:lstStyle/>
+          <a:p>
+            <a:r>
+              <a:rPr lang="en-US" dirty="0" err="1"/>
+              <a:t>Presshuman</a:t>
+            </a:r>
+            <a:endParaRPr lang="en-GB" dirty="0"/>
+          </a:p>
+        </p:txBody>
+      </p:sp>
     </p:spTree>
     <p:extLst>
       <p:ext uri="{BB962C8B-B14F-4D97-AF65-F5344CB8AC3E}">
-        <p14:creationId xmlns:p14="http://schemas.microsoft.com/office/powerpoint/2010/main" val="3976575625"/>
+        <p14:creationId xmlns:p14="http://schemas.microsoft.com/office/powerpoint/2010/main" val="2288592894"/>
       </p:ext>
     </p:extLst>
   </p:cSld>
@@ -3834,74 +5853,88 @@
       </p:grpSpPr>
       <p:sp>
         <p:nvSpPr>
-          <p:cNvPr id="6" name="TextBox 5">
-            <a:extLst>
-              <a:ext uri="{FF2B5EF4-FFF2-40B4-BE49-F238E27FC236}">
-                <a16:creationId xmlns:a16="http://schemas.microsoft.com/office/drawing/2014/main" id="{F38B9AAE-1F85-F653-2D41-1D840D87FCF8}"/>
-              </a:ext>
-            </a:extLst>
-          </p:cNvPr>
-          <p:cNvSpPr txBox="1"/>
-          <p:nvPr/>
-        </p:nvSpPr>
-        <p:spPr>
-          <a:xfrm>
-            <a:off x="1687901" y="5995358"/>
-            <a:ext cx="8816197" cy="369332"/>
-          </a:xfrm>
-          <a:prstGeom prst="rect">
-            <a:avLst/>
-          </a:prstGeom>
-          <a:noFill/>
-        </p:spPr>
-        <p:txBody>
-          <a:bodyPr wrap="square" rtlCol="0">
-            <a:spAutoFit/>
-          </a:bodyPr>
+          <p:cNvPr id="2" name="Title 1">
+            <a:extLst>
+              <a:ext uri="{FF2B5EF4-FFF2-40B4-BE49-F238E27FC236}">
+                <a16:creationId xmlns:a16="http://schemas.microsoft.com/office/drawing/2014/main" id="{28B996BE-7089-C086-02FD-78F49888CE33}"/>
+              </a:ext>
+            </a:extLst>
+          </p:cNvPr>
+          <p:cNvSpPr>
+            <a:spLocks noGrp="1"/>
+          </p:cNvSpPr>
+          <p:nvPr>
+            <p:ph type="title"/>
+          </p:nvPr>
+        </p:nvSpPr>
+        <p:spPr/>
+        <p:txBody>
+          <a:bodyPr/>
+          <a:lstStyle/>
+          <a:p>
+            <a:endParaRPr lang="en-GB"/>
+          </a:p>
+        </p:txBody>
+      </p:sp>
+      <p:sp>
+        <p:nvSpPr>
+          <p:cNvPr id="3" name="Content Placeholder 2">
+            <a:extLst>
+              <a:ext uri="{FF2B5EF4-FFF2-40B4-BE49-F238E27FC236}">
+                <a16:creationId xmlns:a16="http://schemas.microsoft.com/office/drawing/2014/main" id="{9ACF55E5-59C6-D1E7-0009-5E0E9B9A03C2}"/>
+              </a:ext>
+            </a:extLst>
+          </p:cNvPr>
+          <p:cNvSpPr>
+            <a:spLocks noGrp="1"/>
+          </p:cNvSpPr>
+          <p:nvPr>
+            <p:ph idx="1"/>
+          </p:nvPr>
+        </p:nvSpPr>
+        <p:spPr/>
+        <p:txBody>
+          <a:bodyPr/>
           <a:lstStyle/>
           <a:p>
             <a:r>
               <a:rPr lang="en-US" dirty="0"/>
-              <a:t>Each can be PCA-ed individually – multi-tactile dominate clustering</a:t>
+              <a:t>Remaining error is comparable to the smallest measured signals: </a:t>
+            </a:r>
+            <a:r>
+              <a:rPr lang="en-US" dirty="0" err="1"/>
+              <a:t>pressrobot</a:t>
+            </a:r>
+            <a:r>
+              <a:rPr lang="en-US" dirty="0"/>
+              <a:t>.</a:t>
+            </a:r>
+          </a:p>
+          <a:p>
+            <a:endParaRPr lang="en-US" dirty="0"/>
+          </a:p>
+          <a:p>
+            <a:r>
+              <a:rPr lang="en-US" dirty="0"/>
+              <a:t>(Which was already close to background noise: error of same magnitude).</a:t>
+            </a:r>
+          </a:p>
+          <a:p>
+            <a:endParaRPr lang="en-US" dirty="0"/>
+          </a:p>
+          <a:p>
+            <a:r>
+              <a:rPr lang="en-US" dirty="0"/>
+              <a:t>For stronger modalities, can likely not perform repeated measurements (Reducing by 75%).</a:t>
             </a:r>
             <a:endParaRPr lang="en-GB" dirty="0"/>
           </a:p>
         </p:txBody>
       </p:sp>
-      <p:pic>
-        <p:nvPicPr>
-          <p:cNvPr id="4" name="Picture 3">
-            <a:extLst>
-              <a:ext uri="{FF2B5EF4-FFF2-40B4-BE49-F238E27FC236}">
-                <a16:creationId xmlns:a16="http://schemas.microsoft.com/office/drawing/2014/main" id="{3B7F8575-E51E-4D07-BAD6-4D5236CB2BFE}"/>
-              </a:ext>
-            </a:extLst>
-          </p:cNvPr>
-          <p:cNvPicPr>
-            <a:picLocks noChangeAspect="1"/>
-          </p:cNvPicPr>
-          <p:nvPr/>
-        </p:nvPicPr>
-        <p:blipFill>
-          <a:blip r:embed="rId2"/>
-          <a:stretch>
-            <a:fillRect/>
-          </a:stretch>
-        </p:blipFill>
-        <p:spPr>
-          <a:xfrm>
-            <a:off x="370936" y="1081278"/>
-            <a:ext cx="10335609" cy="4189462"/>
-          </a:xfrm>
-          <a:prstGeom prst="rect">
-            <a:avLst/>
-          </a:prstGeom>
-        </p:spPr>
-      </p:pic>
     </p:spTree>
     <p:extLst>
       <p:ext uri="{BB962C8B-B14F-4D97-AF65-F5344CB8AC3E}">
-        <p14:creationId xmlns:p14="http://schemas.microsoft.com/office/powerpoint/2010/main" val="371409671"/>
+        <p14:creationId xmlns:p14="http://schemas.microsoft.com/office/powerpoint/2010/main" val="4047396383"/>
       </p:ext>
     </p:extLst>
   </p:cSld>
@@ -3928,52 +5961,12 @@
           <a:chExt cx="0" cy="0"/>
         </a:xfrm>
       </p:grpSpPr>
-      <p:sp>
-        <p:nvSpPr>
-          <p:cNvPr id="6" name="TextBox 5">
-            <a:extLst>
-              <a:ext uri="{FF2B5EF4-FFF2-40B4-BE49-F238E27FC236}">
-                <a16:creationId xmlns:a16="http://schemas.microsoft.com/office/drawing/2014/main" id="{F38B9AAE-1F85-F653-2D41-1D840D87FCF8}"/>
-              </a:ext>
-            </a:extLst>
-          </p:cNvPr>
-          <p:cNvSpPr txBox="1"/>
-          <p:nvPr/>
-        </p:nvSpPr>
-        <p:spPr>
-          <a:xfrm>
-            <a:off x="1480867" y="5564037"/>
-            <a:ext cx="8816197" cy="646331"/>
-          </a:xfrm>
-          <a:prstGeom prst="rect">
-            <a:avLst/>
-          </a:prstGeom>
-          <a:noFill/>
-        </p:spPr>
-        <p:txBody>
-          <a:bodyPr wrap="square" rtlCol="0">
-            <a:spAutoFit/>
-          </a:bodyPr>
-          <a:lstStyle/>
-          <a:p>
-            <a:r>
-              <a:rPr lang="en-US" dirty="0" err="1"/>
-              <a:t>Visualise</a:t>
-            </a:r>
-            <a:r>
-              <a:rPr lang="en-US" dirty="0"/>
-              <a:t> most important electrode combinations in fingerprint for each – visualization of principal PCA direction</a:t>
-            </a:r>
-            <a:endParaRPr lang="en-GB" dirty="0"/>
-          </a:p>
-        </p:txBody>
-      </p:sp>
       <p:pic>
         <p:nvPicPr>
-          <p:cNvPr id="3" name="Picture 2">
-            <a:extLst>
-              <a:ext uri="{FF2B5EF4-FFF2-40B4-BE49-F238E27FC236}">
-                <a16:creationId xmlns:a16="http://schemas.microsoft.com/office/drawing/2014/main" id="{50FEE347-F525-5DBF-A9BB-A330B5A62C48}"/>
+          <p:cNvPr id="5" name="Picture 4">
+            <a:extLst>
+              <a:ext uri="{FF2B5EF4-FFF2-40B4-BE49-F238E27FC236}">
+                <a16:creationId xmlns:a16="http://schemas.microsoft.com/office/drawing/2014/main" id="{8CCB7EC5-9BBE-20FA-4E06-C32814E08372}"/>
               </a:ext>
             </a:extLst>
           </p:cNvPr>
@@ -3983,25 +5976,174 @@
           <p:nvPr/>
         </p:nvPicPr>
         <p:blipFill>
-          <a:blip r:embed="rId2"/>
+          <a:blip r:embed="rId2">
+            <a:clrChange>
+              <a:clrFrom>
+                <a:srgbClr val="F0F0F0"/>
+              </a:clrFrom>
+              <a:clrTo>
+                <a:srgbClr val="F0F0F0">
+                  <a:alpha val="0"/>
+                </a:srgbClr>
+              </a:clrTo>
+            </a:clrChange>
+          </a:blip>
           <a:stretch>
             <a:fillRect/>
           </a:stretch>
         </p:blipFill>
         <p:spPr>
           <a:xfrm>
-            <a:off x="1918646" y="286276"/>
-            <a:ext cx="6112546" cy="4918289"/>
+            <a:off x="763597" y="1164670"/>
+            <a:ext cx="4736899" cy="3872551"/>
           </a:xfrm>
           <a:prstGeom prst="rect">
             <a:avLst/>
           </a:prstGeom>
         </p:spPr>
       </p:pic>
+      <p:pic>
+        <p:nvPicPr>
+          <p:cNvPr id="7" name="Picture 6">
+            <a:extLst>
+              <a:ext uri="{FF2B5EF4-FFF2-40B4-BE49-F238E27FC236}">
+                <a16:creationId xmlns:a16="http://schemas.microsoft.com/office/drawing/2014/main" id="{1AF566B0-137B-6B9F-4429-1AAB6CEF656F}"/>
+              </a:ext>
+            </a:extLst>
+          </p:cNvPr>
+          <p:cNvPicPr>
+            <a:picLocks noChangeAspect="1"/>
+          </p:cNvPicPr>
+          <p:nvPr/>
+        </p:nvPicPr>
+        <p:blipFill>
+          <a:blip r:embed="rId3"/>
+          <a:stretch>
+            <a:fillRect/>
+          </a:stretch>
+        </p:blipFill>
+        <p:spPr>
+          <a:xfrm>
+            <a:off x="6176059" y="1164670"/>
+            <a:ext cx="4863856" cy="4008909"/>
+          </a:xfrm>
+          <a:prstGeom prst="rect">
+            <a:avLst/>
+          </a:prstGeom>
+        </p:spPr>
+      </p:pic>
+      <p:sp>
+        <p:nvSpPr>
+          <p:cNvPr id="8" name="TextBox 7">
+            <a:extLst>
+              <a:ext uri="{FF2B5EF4-FFF2-40B4-BE49-F238E27FC236}">
+                <a16:creationId xmlns:a16="http://schemas.microsoft.com/office/drawing/2014/main" id="{B0A34F8E-EF6B-6C2A-C4C5-D4396A27B293}"/>
+              </a:ext>
+            </a:extLst>
+          </p:cNvPr>
+          <p:cNvSpPr txBox="1"/>
+          <p:nvPr/>
+        </p:nvSpPr>
+        <p:spPr>
+          <a:xfrm>
+            <a:off x="1687901" y="5995358"/>
+            <a:ext cx="8816197" cy="369332"/>
+          </a:xfrm>
+          <a:prstGeom prst="rect">
+            <a:avLst/>
+          </a:prstGeom>
+          <a:noFill/>
+        </p:spPr>
+        <p:txBody>
+          <a:bodyPr wrap="square" rtlCol="0">
+            <a:spAutoFit/>
+          </a:bodyPr>
+          <a:lstStyle/>
+          <a:p>
+            <a:r>
+              <a:rPr lang="en-US" dirty="0"/>
+              <a:t>Correlations of all electrode combinations – not much variation between membrane tests</a:t>
+            </a:r>
+            <a:endParaRPr lang="en-GB" dirty="0"/>
+          </a:p>
+        </p:txBody>
+      </p:sp>
+      <p:sp>
+        <p:nvSpPr>
+          <p:cNvPr id="9" name="TextBox 8">
+            <a:extLst>
+              <a:ext uri="{FF2B5EF4-FFF2-40B4-BE49-F238E27FC236}">
+                <a16:creationId xmlns:a16="http://schemas.microsoft.com/office/drawing/2014/main" id="{465DED23-5C8B-90A8-C40B-8EE442DCF0C7}"/>
+              </a:ext>
+            </a:extLst>
+          </p:cNvPr>
+          <p:cNvSpPr txBox="1"/>
+          <p:nvPr/>
+        </p:nvSpPr>
+        <p:spPr>
+          <a:xfrm>
+            <a:off x="1214659" y="891773"/>
+            <a:ext cx="3706788" cy="369332"/>
+          </a:xfrm>
+          <a:prstGeom prst="rect">
+            <a:avLst/>
+          </a:prstGeom>
+          <a:noFill/>
+        </p:spPr>
+        <p:txBody>
+          <a:bodyPr wrap="square" rtlCol="0">
+            <a:spAutoFit/>
+          </a:bodyPr>
+          <a:lstStyle/>
+          <a:p>
+            <a:r>
+              <a:rPr lang="en-US" dirty="0"/>
+              <a:t>Typical Homogeneous membrane</a:t>
+            </a:r>
+            <a:endParaRPr lang="en-GB" dirty="0"/>
+          </a:p>
+        </p:txBody>
+      </p:sp>
+      <p:sp>
+        <p:nvSpPr>
+          <p:cNvPr id="10" name="TextBox 9">
+            <a:extLst>
+              <a:ext uri="{FF2B5EF4-FFF2-40B4-BE49-F238E27FC236}">
+                <a16:creationId xmlns:a16="http://schemas.microsoft.com/office/drawing/2014/main" id="{BFAF755A-6179-F629-609D-8182EC1BBB3E}"/>
+              </a:ext>
+            </a:extLst>
+          </p:cNvPr>
+          <p:cNvSpPr txBox="1"/>
+          <p:nvPr/>
+        </p:nvSpPr>
+        <p:spPr>
+          <a:xfrm>
+            <a:off x="7270554" y="980004"/>
+            <a:ext cx="2860036" cy="369332"/>
+          </a:xfrm>
+          <a:prstGeom prst="rect">
+            <a:avLst/>
+          </a:prstGeom>
+          <a:noFill/>
+        </p:spPr>
+        <p:txBody>
+          <a:bodyPr wrap="square" rtlCol="0">
+            <a:spAutoFit/>
+          </a:bodyPr>
+          <a:lstStyle/>
+          <a:p>
+            <a:r>
+              <a:rPr lang="en-US" dirty="0"/>
+              <a:t>Membrane with channels</a:t>
+            </a:r>
+            <a:endParaRPr lang="en-GB" dirty="0"/>
+          </a:p>
+        </p:txBody>
+      </p:sp>
     </p:spTree>
     <p:extLst>
       <p:ext uri="{BB962C8B-B14F-4D97-AF65-F5344CB8AC3E}">
-        <p14:creationId xmlns:p14="http://schemas.microsoft.com/office/powerpoint/2010/main" val="657065837"/>
+        <p14:creationId xmlns:p14="http://schemas.microsoft.com/office/powerpoint/2010/main" val="421309694"/>
       </p:ext>
     </p:extLst>
   </p:cSld>
@@ -4028,48 +6170,12 @@
           <a:chExt cx="0" cy="0"/>
         </a:xfrm>
       </p:grpSpPr>
-      <p:sp>
-        <p:nvSpPr>
-          <p:cNvPr id="6" name="TextBox 5">
-            <a:extLst>
-              <a:ext uri="{FF2B5EF4-FFF2-40B4-BE49-F238E27FC236}">
-                <a16:creationId xmlns:a16="http://schemas.microsoft.com/office/drawing/2014/main" id="{F38B9AAE-1F85-F653-2D41-1D840D87FCF8}"/>
-              </a:ext>
-            </a:extLst>
-          </p:cNvPr>
-          <p:cNvSpPr txBox="1"/>
-          <p:nvPr/>
-        </p:nvSpPr>
-        <p:spPr>
-          <a:xfrm>
-            <a:off x="1480867" y="5564037"/>
-            <a:ext cx="8816197" cy="369332"/>
-          </a:xfrm>
-          <a:prstGeom prst="rect">
-            <a:avLst/>
-          </a:prstGeom>
-          <a:noFill/>
-        </p:spPr>
-        <p:txBody>
-          <a:bodyPr wrap="square" rtlCol="0">
-            <a:spAutoFit/>
-          </a:bodyPr>
-          <a:lstStyle/>
-          <a:p>
-            <a:r>
-              <a:rPr lang="en-US" dirty="0"/>
-              <a:t>Dot product of fingerprints gives most similar modalities</a:t>
-            </a:r>
-            <a:endParaRPr lang="en-GB" dirty="0"/>
-          </a:p>
-        </p:txBody>
-      </p:sp>
       <p:pic>
         <p:nvPicPr>
-          <p:cNvPr id="4" name="Picture 3">
-            <a:extLst>
-              <a:ext uri="{FF2B5EF4-FFF2-40B4-BE49-F238E27FC236}">
-                <a16:creationId xmlns:a16="http://schemas.microsoft.com/office/drawing/2014/main" id="{8DFE783A-3A26-F1F9-253E-E90FEBCF1E7E}"/>
+          <p:cNvPr id="5" name="Picture 4">
+            <a:extLst>
+              <a:ext uri="{FF2B5EF4-FFF2-40B4-BE49-F238E27FC236}">
+                <a16:creationId xmlns:a16="http://schemas.microsoft.com/office/drawing/2014/main" id="{63BCAEE7-D249-A72C-879F-0B2BA9362C51}"/>
               </a:ext>
             </a:extLst>
           </p:cNvPr>
@@ -4086,8 +6192,187 @@
         </p:blipFill>
         <p:spPr>
           <a:xfrm>
-            <a:off x="1825260" y="924631"/>
-            <a:ext cx="6501359" cy="4037881"/>
+            <a:off x="2823777" y="4692753"/>
+            <a:ext cx="2454076" cy="1863621"/>
+          </a:xfrm>
+          <a:prstGeom prst="rect">
+            <a:avLst/>
+          </a:prstGeom>
+        </p:spPr>
+      </p:pic>
+      <p:pic>
+        <p:nvPicPr>
+          <p:cNvPr id="7" name="Picture 6">
+            <a:extLst>
+              <a:ext uri="{FF2B5EF4-FFF2-40B4-BE49-F238E27FC236}">
+                <a16:creationId xmlns:a16="http://schemas.microsoft.com/office/drawing/2014/main" id="{C2C1794D-BE96-3742-F8F7-A2493893B8BE}"/>
+              </a:ext>
+            </a:extLst>
+          </p:cNvPr>
+          <p:cNvPicPr>
+            <a:picLocks noChangeAspect="1"/>
+          </p:cNvPicPr>
+          <p:nvPr/>
+        </p:nvPicPr>
+        <p:blipFill>
+          <a:blip r:embed="rId3"/>
+          <a:stretch>
+            <a:fillRect/>
+          </a:stretch>
+        </p:blipFill>
+        <p:spPr>
+          <a:xfrm>
+            <a:off x="354911" y="411311"/>
+            <a:ext cx="5090601" cy="3901778"/>
+          </a:xfrm>
+          <a:prstGeom prst="rect">
+            <a:avLst/>
+          </a:prstGeom>
+        </p:spPr>
+      </p:pic>
+      <p:sp>
+        <p:nvSpPr>
+          <p:cNvPr id="8" name="TextBox 7">
+            <a:extLst>
+              <a:ext uri="{FF2B5EF4-FFF2-40B4-BE49-F238E27FC236}">
+                <a16:creationId xmlns:a16="http://schemas.microsoft.com/office/drawing/2014/main" id="{69FC5355-C5C1-FA8D-16E9-CA26E0771B96}"/>
+              </a:ext>
+            </a:extLst>
+          </p:cNvPr>
+          <p:cNvSpPr txBox="1"/>
+          <p:nvPr/>
+        </p:nvSpPr>
+        <p:spPr>
+          <a:xfrm>
+            <a:off x="1318933" y="221051"/>
+            <a:ext cx="2860036" cy="369332"/>
+          </a:xfrm>
+          <a:prstGeom prst="rect">
+            <a:avLst/>
+          </a:prstGeom>
+          <a:noFill/>
+        </p:spPr>
+        <p:txBody>
+          <a:bodyPr wrap="square" rtlCol="0">
+            <a:spAutoFit/>
+          </a:bodyPr>
+          <a:lstStyle/>
+          <a:p>
+            <a:r>
+              <a:rPr lang="en-US" dirty="0"/>
+              <a:t>Typical Hemisphere pattern</a:t>
+            </a:r>
+            <a:endParaRPr lang="en-GB" dirty="0"/>
+          </a:p>
+        </p:txBody>
+      </p:sp>
+      <p:sp>
+        <p:nvSpPr>
+          <p:cNvPr id="9" name="TextBox 8">
+            <a:extLst>
+              <a:ext uri="{FF2B5EF4-FFF2-40B4-BE49-F238E27FC236}">
+                <a16:creationId xmlns:a16="http://schemas.microsoft.com/office/drawing/2014/main" id="{C1015A82-A15F-1AB3-573B-B600058E2B24}"/>
+              </a:ext>
+            </a:extLst>
+          </p:cNvPr>
+          <p:cNvSpPr txBox="1"/>
+          <p:nvPr/>
+        </p:nvSpPr>
+        <p:spPr>
+          <a:xfrm>
+            <a:off x="7374828" y="221051"/>
+            <a:ext cx="2860036" cy="369332"/>
+          </a:xfrm>
+          <a:prstGeom prst="rect">
+            <a:avLst/>
+          </a:prstGeom>
+          <a:noFill/>
+        </p:spPr>
+        <p:txBody>
+          <a:bodyPr wrap="square" rtlCol="0">
+            <a:spAutoFit/>
+          </a:bodyPr>
+          <a:lstStyle/>
+          <a:p>
+            <a:r>
+              <a:rPr lang="en-US" dirty="0"/>
+              <a:t>Typical Membrane pattern</a:t>
+            </a:r>
+            <a:endParaRPr lang="en-GB" dirty="0"/>
+          </a:p>
+        </p:txBody>
+      </p:sp>
+      <p:sp>
+        <p:nvSpPr>
+          <p:cNvPr id="10" name="TextBox 9">
+            <a:extLst>
+              <a:ext uri="{FF2B5EF4-FFF2-40B4-BE49-F238E27FC236}">
+                <a16:creationId xmlns:a16="http://schemas.microsoft.com/office/drawing/2014/main" id="{94F651BF-C1AE-3830-6699-1737B9B3AF4C}"/>
+              </a:ext>
+            </a:extLst>
+          </p:cNvPr>
+          <p:cNvSpPr txBox="1"/>
+          <p:nvPr/>
+        </p:nvSpPr>
+        <p:spPr>
+          <a:xfrm>
+            <a:off x="5445512" y="5439897"/>
+            <a:ext cx="5843867" cy="369332"/>
+          </a:xfrm>
+          <a:prstGeom prst="rect">
+            <a:avLst/>
+          </a:prstGeom>
+          <a:noFill/>
+        </p:spPr>
+        <p:txBody>
+          <a:bodyPr wrap="square" rtlCol="0">
+            <a:spAutoFit/>
+          </a:bodyPr>
+          <a:lstStyle/>
+          <a:p>
+            <a:r>
+              <a:rPr lang="en-US" dirty="0"/>
+              <a:t>(Salted hemisphere – experimental data needs validating) </a:t>
+            </a:r>
+            <a:endParaRPr lang="en-GB" dirty="0"/>
+          </a:p>
+        </p:txBody>
+      </p:sp>
+      <p:pic>
+        <p:nvPicPr>
+          <p:cNvPr id="11" name="Picture 10">
+            <a:extLst>
+              <a:ext uri="{FF2B5EF4-FFF2-40B4-BE49-F238E27FC236}">
+                <a16:creationId xmlns:a16="http://schemas.microsoft.com/office/drawing/2014/main" id="{6AC42E7D-3744-72DD-F8CF-2FAB7BA7C820}"/>
+              </a:ext>
+            </a:extLst>
+          </p:cNvPr>
+          <p:cNvPicPr>
+            <a:picLocks noChangeAspect="1"/>
+          </p:cNvPicPr>
+          <p:nvPr/>
+        </p:nvPicPr>
+        <p:blipFill>
+          <a:blip r:embed="rId4">
+            <a:clrChange>
+              <a:clrFrom>
+                <a:srgbClr val="F0F0F0"/>
+              </a:clrFrom>
+              <a:clrTo>
+                <a:srgbClr val="F0F0F0">
+                  <a:alpha val="0"/>
+                </a:srgbClr>
+              </a:clrTo>
+            </a:clrChange>
+          </a:blip>
+          <a:stretch>
+            <a:fillRect/>
+          </a:stretch>
+        </p:blipFill>
+        <p:spPr>
+          <a:xfrm>
+            <a:off x="6436396" y="440538"/>
+            <a:ext cx="4736899" cy="3872551"/>
           </a:xfrm>
           <a:prstGeom prst="rect">
             <a:avLst/>
@@ -4097,7 +6382,7 @@
     </p:spTree>
     <p:extLst>
       <p:ext uri="{BB962C8B-B14F-4D97-AF65-F5344CB8AC3E}">
-        <p14:creationId xmlns:p14="http://schemas.microsoft.com/office/powerpoint/2010/main" val="1690715989"/>
+        <p14:creationId xmlns:p14="http://schemas.microsoft.com/office/powerpoint/2010/main" val="1941541357"/>
       </p:ext>
     </p:extLst>
   </p:cSld>
@@ -4124,163 +6409,55 @@
           <a:chExt cx="0" cy="0"/>
         </a:xfrm>
       </p:grpSpPr>
-      <p:pic>
-        <p:nvPicPr>
-          <p:cNvPr id="5" name="Picture 4">
-            <a:extLst>
-              <a:ext uri="{FF2B5EF4-FFF2-40B4-BE49-F238E27FC236}">
-                <a16:creationId xmlns:a16="http://schemas.microsoft.com/office/drawing/2014/main" id="{F0A829E7-A57F-A0E2-C3AB-180ACC004D2F}"/>
-              </a:ext>
-            </a:extLst>
-          </p:cNvPr>
-          <p:cNvPicPr>
-            <a:picLocks noChangeAspect="1"/>
-          </p:cNvPicPr>
-          <p:nvPr/>
-        </p:nvPicPr>
-        <p:blipFill>
-          <a:blip r:embed="rId2"/>
-          <a:stretch>
-            <a:fillRect/>
-          </a:stretch>
-        </p:blipFill>
-        <p:spPr>
-          <a:xfrm>
-            <a:off x="756747" y="1390473"/>
-            <a:ext cx="5105842" cy="4077053"/>
-          </a:xfrm>
-          <a:prstGeom prst="rect">
-            <a:avLst/>
-          </a:prstGeom>
-        </p:spPr>
-      </p:pic>
-      <p:pic>
-        <p:nvPicPr>
-          <p:cNvPr id="7" name="Picture 6">
-            <a:extLst>
-              <a:ext uri="{FF2B5EF4-FFF2-40B4-BE49-F238E27FC236}">
-                <a16:creationId xmlns:a16="http://schemas.microsoft.com/office/drawing/2014/main" id="{53D66603-B082-18EB-E218-9E2D3E6621A4}"/>
-              </a:ext>
-            </a:extLst>
-          </p:cNvPr>
-          <p:cNvPicPr>
-            <a:picLocks noChangeAspect="1"/>
-          </p:cNvPicPr>
-          <p:nvPr/>
-        </p:nvPicPr>
-        <p:blipFill>
-          <a:blip r:embed="rId3"/>
-          <a:stretch>
-            <a:fillRect/>
-          </a:stretch>
-        </p:blipFill>
-        <p:spPr>
-          <a:xfrm>
-            <a:off x="6656716" y="1200364"/>
-            <a:ext cx="4170492" cy="3224985"/>
-          </a:xfrm>
-          <a:prstGeom prst="rect">
-            <a:avLst/>
-          </a:prstGeom>
-          <a:ln w="57150">
-            <a:solidFill>
-              <a:srgbClr val="FF0000"/>
-            </a:solidFill>
-            <a:prstDash val="dash"/>
-          </a:ln>
-        </p:spPr>
-      </p:pic>
-      <p:cxnSp>
-        <p:nvCxnSpPr>
-          <p:cNvPr id="9" name="Straight Arrow Connector 8">
-            <a:extLst>
-              <a:ext uri="{FF2B5EF4-FFF2-40B4-BE49-F238E27FC236}">
-                <a16:creationId xmlns:a16="http://schemas.microsoft.com/office/drawing/2014/main" id="{AAED20C8-F056-A2B7-4164-771BE77B22D1}"/>
-              </a:ext>
-            </a:extLst>
-          </p:cNvPr>
-          <p:cNvCxnSpPr>
-            <a:cxnSpLocks/>
-          </p:cNvCxnSpPr>
-          <p:nvPr/>
-        </p:nvCxnSpPr>
-        <p:spPr>
-          <a:xfrm flipH="1">
-            <a:off x="5451894" y="3726611"/>
-            <a:ext cx="1086929" cy="465827"/>
-          </a:xfrm>
-          <a:prstGeom prst="straightConnector1">
-            <a:avLst/>
-          </a:prstGeom>
-          <a:ln w="57150">
-            <a:solidFill>
-              <a:srgbClr val="FF0000"/>
-            </a:solidFill>
-            <a:tailEnd type="triangle"/>
-          </a:ln>
-        </p:spPr>
-        <p:style>
-          <a:lnRef idx="1">
-            <a:schemeClr val="accent1"/>
-          </a:lnRef>
-          <a:fillRef idx="0">
-            <a:schemeClr val="accent1"/>
-          </a:fillRef>
-          <a:effectRef idx="0">
-            <a:schemeClr val="accent1"/>
-          </a:effectRef>
-          <a:fontRef idx="minor">
-            <a:schemeClr val="tx1"/>
-          </a:fontRef>
-        </p:style>
-      </p:cxnSp>
-      <p:sp>
-        <p:nvSpPr>
-          <p:cNvPr id="11" name="TextBox 10">
-            <a:extLst>
-              <a:ext uri="{FF2B5EF4-FFF2-40B4-BE49-F238E27FC236}">
-                <a16:creationId xmlns:a16="http://schemas.microsoft.com/office/drawing/2014/main" id="{360F098C-5203-5F79-1429-D8B1E9BDD6C0}"/>
-              </a:ext>
-            </a:extLst>
-          </p:cNvPr>
-          <p:cNvSpPr txBox="1"/>
-          <p:nvPr/>
-        </p:nvSpPr>
-        <p:spPr>
-          <a:xfrm>
-            <a:off x="1687901" y="5995358"/>
-            <a:ext cx="8816197" cy="369332"/>
-          </a:xfrm>
-          <a:prstGeom prst="rect">
-            <a:avLst/>
-          </a:prstGeom>
-          <a:noFill/>
-        </p:spPr>
-        <p:txBody>
-          <a:bodyPr wrap="square" rtlCol="0">
-            <a:spAutoFit/>
-          </a:bodyPr>
+      <p:sp>
+        <p:nvSpPr>
+          <p:cNvPr id="2" name="Title 1">
+            <a:extLst>
+              <a:ext uri="{FF2B5EF4-FFF2-40B4-BE49-F238E27FC236}">
+                <a16:creationId xmlns:a16="http://schemas.microsoft.com/office/drawing/2014/main" id="{28B996BE-7089-C086-02FD-78F49888CE33}"/>
+              </a:ext>
+            </a:extLst>
+          </p:cNvPr>
+          <p:cNvSpPr>
+            <a:spLocks noGrp="1"/>
+          </p:cNvSpPr>
+          <p:nvPr>
+            <p:ph type="title"/>
+          </p:nvPr>
+        </p:nvSpPr>
+        <p:spPr/>
+        <p:txBody>
+          <a:bodyPr/>
+          <a:lstStyle/>
+          <a:p>
+            <a:endParaRPr lang="en-GB"/>
+          </a:p>
+        </p:txBody>
+      </p:sp>
+      <p:sp>
+        <p:nvSpPr>
+          <p:cNvPr id="3" name="Content Placeholder 2">
+            <a:extLst>
+              <a:ext uri="{FF2B5EF4-FFF2-40B4-BE49-F238E27FC236}">
+                <a16:creationId xmlns:a16="http://schemas.microsoft.com/office/drawing/2014/main" id="{9ACF55E5-59C6-D1E7-0009-5E0E9B9A03C2}"/>
+              </a:ext>
+            </a:extLst>
+          </p:cNvPr>
+          <p:cNvSpPr>
+            <a:spLocks noGrp="1"/>
+          </p:cNvSpPr>
+          <p:nvPr>
+            <p:ph idx="1"/>
+          </p:nvPr>
+        </p:nvSpPr>
+        <p:spPr/>
+        <p:txBody>
+          <a:bodyPr/>
           <a:lstStyle/>
           <a:p>
             <a:r>
               <a:rPr lang="en-US" dirty="0"/>
-              <a:t>Using only </a:t>
-            </a:r>
-            <a:r>
-              <a:rPr lang="en-US" dirty="0" err="1"/>
-              <a:t>coeffs</a:t>
-            </a:r>
-            <a:r>
-              <a:rPr lang="en-US" dirty="0"/>
-              <a:t> from </a:t>
-            </a:r>
-            <a:r>
-              <a:rPr lang="en-US" dirty="0" err="1"/>
-              <a:t>steelbolts</a:t>
-            </a:r>
-            <a:r>
-              <a:rPr lang="en-US" dirty="0"/>
-              <a:t> is surprisingly effective</a:t>
+              <a:t>TODO: How many more channels could be removed without affecting results? </a:t>
             </a:r>
             <a:endParaRPr lang="en-GB" dirty="0"/>
           </a:p>
@@ -4289,7 +6466,7 @@
     </p:spTree>
     <p:extLst>
       <p:ext uri="{BB962C8B-B14F-4D97-AF65-F5344CB8AC3E}">
-        <p14:creationId xmlns:p14="http://schemas.microsoft.com/office/powerpoint/2010/main" val="899224073"/>
+        <p14:creationId xmlns:p14="http://schemas.microsoft.com/office/powerpoint/2010/main" val="3306675472"/>
       </p:ext>
     </p:extLst>
   </p:cSld>
@@ -4321,7 +6498,7 @@
           <p:cNvPr id="5" name="Picture 4">
             <a:extLst>
               <a:ext uri="{FF2B5EF4-FFF2-40B4-BE49-F238E27FC236}">
-                <a16:creationId xmlns:a16="http://schemas.microsoft.com/office/drawing/2014/main" id="{F6525CB9-55E6-533B-9069-9F2C08D91842}"/>
+                <a16:creationId xmlns:a16="http://schemas.microsoft.com/office/drawing/2014/main" id="{C08F6405-77EE-F58A-3B78-0A6FF1F924DD}"/>
               </a:ext>
             </a:extLst>
           </p:cNvPr>
@@ -4338,8 +6515,8 @@
         </p:blipFill>
         <p:spPr>
           <a:xfrm>
-            <a:off x="65430" y="1192432"/>
-            <a:ext cx="4831499" cy="3886537"/>
+            <a:off x="6212812" y="1947594"/>
+            <a:ext cx="5345525" cy="2221320"/>
           </a:xfrm>
           <a:prstGeom prst="rect">
             <a:avLst/>
@@ -4351,7 +6528,7 @@
           <p:cNvPr id="7" name="Picture 6">
             <a:extLst>
               <a:ext uri="{FF2B5EF4-FFF2-40B4-BE49-F238E27FC236}">
-                <a16:creationId xmlns:a16="http://schemas.microsoft.com/office/drawing/2014/main" id="{2A2E1215-F57C-AEB2-33B3-8ECD980D1586}"/>
+                <a16:creationId xmlns:a16="http://schemas.microsoft.com/office/drawing/2014/main" id="{7D3C890C-2DBA-68CF-69B9-78265046C588}"/>
               </a:ext>
             </a:extLst>
           </p:cNvPr>
@@ -4368,8 +6545,8 @@
         </p:blipFill>
         <p:spPr>
           <a:xfrm>
-            <a:off x="5318476" y="1329604"/>
-            <a:ext cx="4884843" cy="3749365"/>
+            <a:off x="272715" y="1947594"/>
+            <a:ext cx="5276898" cy="2222841"/>
           </a:xfrm>
           <a:prstGeom prst="rect">
             <a:avLst/>
@@ -4378,10 +6555,10 @@
       </p:pic>
       <p:sp>
         <p:nvSpPr>
-          <p:cNvPr id="9" name="TextBox 8">
-            <a:extLst>
-              <a:ext uri="{FF2B5EF4-FFF2-40B4-BE49-F238E27FC236}">
-                <a16:creationId xmlns:a16="http://schemas.microsoft.com/office/drawing/2014/main" id="{3245C429-5D67-1E2E-2435-BD89D39BE45E}"/>
+          <p:cNvPr id="8" name="TextBox 7">
+            <a:extLst>
+              <a:ext uri="{FF2B5EF4-FFF2-40B4-BE49-F238E27FC236}">
+                <a16:creationId xmlns:a16="http://schemas.microsoft.com/office/drawing/2014/main" id="{BFF242A2-8989-BD5D-0F95-F48E8A562962}"/>
               </a:ext>
             </a:extLst>
           </p:cNvPr>
@@ -4390,8 +6567,8 @@
         </p:nvSpPr>
         <p:spPr>
           <a:xfrm>
-            <a:off x="1687901" y="5995358"/>
-            <a:ext cx="8816197" cy="369332"/>
+            <a:off x="2287262" y="1578262"/>
+            <a:ext cx="1247804" cy="369332"/>
           </a:xfrm>
           <a:prstGeom prst="rect">
             <a:avLst/>
@@ -4405,16 +6582,8 @@
           <a:lstStyle/>
           <a:p>
             <a:r>
-              <a:rPr lang="en-US" dirty="0"/>
-              <a:t>Can track melting path from </a:t>
-            </a:r>
-            <a:r>
               <a:rPr lang="en-US" dirty="0" err="1"/>
-              <a:t>steelbolt</a:t>
-            </a:r>
-            <a:r>
-              <a:rPr lang="en-US" dirty="0"/>
-              <a:t> axes – though much noisier in phase space</a:t>
+              <a:t>PressRobot</a:t>
             </a:r>
             <a:endParaRPr lang="en-GB" dirty="0"/>
           </a:p>
@@ -4422,10 +6591,10 @@
       </p:sp>
       <p:sp>
         <p:nvSpPr>
-          <p:cNvPr id="10" name="TextBox 9">
-            <a:extLst>
-              <a:ext uri="{FF2B5EF4-FFF2-40B4-BE49-F238E27FC236}">
-                <a16:creationId xmlns:a16="http://schemas.microsoft.com/office/drawing/2014/main" id="{35B3393B-93B6-D8EC-2128-06010328E75C}"/>
+          <p:cNvPr id="9" name="TextBox 8">
+            <a:extLst>
+              <a:ext uri="{FF2B5EF4-FFF2-40B4-BE49-F238E27FC236}">
+                <a16:creationId xmlns:a16="http://schemas.microsoft.com/office/drawing/2014/main" id="{38770724-502F-09EE-6818-B24CCD65E2FA}"/>
               </a:ext>
             </a:extLst>
           </p:cNvPr>
@@ -4434,8 +6603,8 @@
         </p:nvSpPr>
         <p:spPr>
           <a:xfrm>
-            <a:off x="2413667" y="823100"/>
-            <a:ext cx="648712" cy="369332"/>
+            <a:off x="8427908" y="1576377"/>
+            <a:ext cx="1247804" cy="369332"/>
           </a:xfrm>
           <a:prstGeom prst="rect">
             <a:avLst/>
@@ -4450,43 +6619,7 @@
           <a:p>
             <a:r>
               <a:rPr lang="en-US" dirty="0"/>
-              <a:t>RMS</a:t>
-            </a:r>
-            <a:endParaRPr lang="en-GB" dirty="0"/>
-          </a:p>
-        </p:txBody>
-      </p:sp>
-      <p:sp>
-        <p:nvSpPr>
-          <p:cNvPr id="11" name="TextBox 10">
-            <a:extLst>
-              <a:ext uri="{FF2B5EF4-FFF2-40B4-BE49-F238E27FC236}">
-                <a16:creationId xmlns:a16="http://schemas.microsoft.com/office/drawing/2014/main" id="{A8D1E1B3-6E15-714D-54FF-975D7AB3688B}"/>
-              </a:ext>
-            </a:extLst>
-          </p:cNvPr>
-          <p:cNvSpPr txBox="1"/>
-          <p:nvPr/>
-        </p:nvSpPr>
-        <p:spPr>
-          <a:xfrm>
-            <a:off x="7709432" y="823100"/>
-            <a:ext cx="864078" cy="369332"/>
-          </a:xfrm>
-          <a:prstGeom prst="rect">
-            <a:avLst/>
-          </a:prstGeom>
-          <a:noFill/>
-        </p:spPr>
-        <p:txBody>
-          <a:bodyPr wrap="square" rtlCol="0">
-            <a:spAutoFit/>
-          </a:bodyPr>
-          <a:lstStyle/>
-          <a:p>
-            <a:r>
-              <a:rPr lang="en-US" dirty="0"/>
-              <a:t>Phase</a:t>
+              <a:t>Melting</a:t>
             </a:r>
             <a:endParaRPr lang="en-GB" dirty="0"/>
           </a:p>
@@ -4495,7 +6628,7 @@
     </p:spTree>
     <p:extLst>
       <p:ext uri="{BB962C8B-B14F-4D97-AF65-F5344CB8AC3E}">
-        <p14:creationId xmlns:p14="http://schemas.microsoft.com/office/powerpoint/2010/main" val="386153485"/>
+        <p14:creationId xmlns:p14="http://schemas.microsoft.com/office/powerpoint/2010/main" val="501957649"/>
       </p:ext>
     </p:extLst>
   </p:cSld>

--- a/Characterisation/ElectrodeSweeps/Figures/ChristmasData.pptx
+++ b/Characterisation/ElectrodeSweeps/Figures/ChristmasData.pptx
@@ -133,7 +133,7 @@
 <file path=ppt/revisionInfo.xml><?xml version="1.0" encoding="utf-8"?>
 <p1510:revInfo xmlns:a="http://schemas.openxmlformats.org/drawingml/2006/main" xmlns:r="http://schemas.openxmlformats.org/officeDocument/2006/relationships" xmlns:p1510="http://schemas.microsoft.com/office/powerpoint/2015/10/main">
   <p1510:revLst>
-    <p1510:client id="{27FD78A3-4539-4683-AD32-86E3F452B1DC}" v="23" dt="2024-01-17T15:33:14.998"/>
+    <p1510:client id="{27FD78A3-4539-4683-AD32-86E3F452B1DC}" v="24" dt="2024-01-18T09:01:46.640"/>
   </p1510:revLst>
 </p1510:revInfo>
 </file>
@@ -143,10 +143,25 @@
   <pc:docChgLst>
     <pc:chgData name="David Hardman" userId="25dc0ef6-7b36-4b30-a7ad-8f7f71a3f84a" providerId="ADAL" clId="{27FD78A3-4539-4683-AD32-86E3F452B1DC}"/>
     <pc:docChg chg="undo custSel addSld modSld sldOrd">
-      <pc:chgData name="David Hardman" userId="25dc0ef6-7b36-4b30-a7ad-8f7f71a3f84a" providerId="ADAL" clId="{27FD78A3-4539-4683-AD32-86E3F452B1DC}" dt="2024-01-17T15:33:27.200" v="1253" actId="1076"/>
+      <pc:chgData name="David Hardman" userId="25dc0ef6-7b36-4b30-a7ad-8f7f71a3f84a" providerId="ADAL" clId="{27FD78A3-4539-4683-AD32-86E3F452B1DC}" dt="2024-01-18T09:02:03.855" v="1293" actId="20577"/>
       <pc:docMkLst>
         <pc:docMk/>
       </pc:docMkLst>
+      <pc:sldChg chg="modSp mod">
+        <pc:chgData name="David Hardman" userId="25dc0ef6-7b36-4b30-a7ad-8f7f71a3f84a" providerId="ADAL" clId="{27FD78A3-4539-4683-AD32-86E3F452B1DC}" dt="2024-01-18T08:56:47.888" v="1254" actId="1076"/>
+        <pc:sldMkLst>
+          <pc:docMk/>
+          <pc:sldMk cId="1789624668" sldId="258"/>
+        </pc:sldMkLst>
+        <pc:picChg chg="mod">
+          <ac:chgData name="David Hardman" userId="25dc0ef6-7b36-4b30-a7ad-8f7f71a3f84a" providerId="ADAL" clId="{27FD78A3-4539-4683-AD32-86E3F452B1DC}" dt="2024-01-18T08:56:47.888" v="1254" actId="1076"/>
+          <ac:picMkLst>
+            <pc:docMk/>
+            <pc:sldMk cId="1789624668" sldId="258"/>
+            <ac:picMk id="5" creationId="{63AE5EF2-B8ED-EEC1-5C30-1093037A6EB3}"/>
+          </ac:picMkLst>
+        </pc:picChg>
+      </pc:sldChg>
       <pc:sldChg chg="addSp delSp modSp new mod">
         <pc:chgData name="David Hardman" userId="25dc0ef6-7b36-4b30-a7ad-8f7f71a3f84a" providerId="ADAL" clId="{27FD78A3-4539-4683-AD32-86E3F452B1DC}" dt="2024-01-17T12:24:15.006" v="301" actId="20577"/>
         <pc:sldMkLst>
@@ -548,12 +563,20 @@
           </ac:spMkLst>
         </pc:spChg>
       </pc:sldChg>
-      <pc:sldChg chg="addSp delSp new mod">
-        <pc:chgData name="David Hardman" userId="25dc0ef6-7b36-4b30-a7ad-8f7f71a3f84a" providerId="ADAL" clId="{27FD78A3-4539-4683-AD32-86E3F452B1DC}" dt="2024-01-17T14:35:28.252" v="1212" actId="22"/>
+      <pc:sldChg chg="addSp delSp modSp new mod">
+        <pc:chgData name="David Hardman" userId="25dc0ef6-7b36-4b30-a7ad-8f7f71a3f84a" providerId="ADAL" clId="{27FD78A3-4539-4683-AD32-86E3F452B1DC}" dt="2024-01-18T09:02:03.855" v="1293" actId="20577"/>
         <pc:sldMkLst>
           <pc:docMk/>
           <pc:sldMk cId="2440074061" sldId="273"/>
         </pc:sldMkLst>
+        <pc:spChg chg="add mod">
+          <ac:chgData name="David Hardman" userId="25dc0ef6-7b36-4b30-a7ad-8f7f71a3f84a" providerId="ADAL" clId="{27FD78A3-4539-4683-AD32-86E3F452B1DC}" dt="2024-01-18T09:02:03.855" v="1293" actId="20577"/>
+          <ac:spMkLst>
+            <pc:docMk/>
+            <pc:sldMk cId="2440074061" sldId="273"/>
+            <ac:spMk id="2" creationId="{66A1866C-35B1-F7F2-1F94-5386C9BBC71B}"/>
+          </ac:spMkLst>
+        </pc:spChg>
         <pc:spChg chg="del">
           <ac:chgData name="David Hardman" userId="25dc0ef6-7b36-4b30-a7ad-8f7f71a3f84a" providerId="ADAL" clId="{27FD78A3-4539-4683-AD32-86E3F452B1DC}" dt="2024-01-17T14:35:27.376" v="1211" actId="478"/>
           <ac:spMkLst>
@@ -570,8 +593,8 @@
             <ac:spMk id="3" creationId="{AA5CAE75-F47B-083F-699D-7A164DD5E8E6}"/>
           </ac:spMkLst>
         </pc:spChg>
-        <pc:picChg chg="add">
-          <ac:chgData name="David Hardman" userId="25dc0ef6-7b36-4b30-a7ad-8f7f71a3f84a" providerId="ADAL" clId="{27FD78A3-4539-4683-AD32-86E3F452B1DC}" dt="2024-01-17T14:35:28.252" v="1212" actId="22"/>
+        <pc:picChg chg="add mod">
+          <ac:chgData name="David Hardman" userId="25dc0ef6-7b36-4b30-a7ad-8f7f71a3f84a" providerId="ADAL" clId="{27FD78A3-4539-4683-AD32-86E3F452B1DC}" dt="2024-01-18T09:01:19.387" v="1256" actId="1076"/>
           <ac:picMkLst>
             <pc:docMk/>
             <pc:sldMk cId="2440074061" sldId="273"/>
@@ -788,7 +811,7 @@
           <a:p>
             <a:fld id="{053F5D8B-B79B-4C2F-9924-2EB5DE2C0023}" type="datetimeFigureOut">
               <a:rPr lang="en-GB" smtClean="0"/>
-              <a:t>17/01/2024</a:t>
+              <a:t>18/01/2024</a:t>
             </a:fld>
             <a:endParaRPr lang="en-GB"/>
           </a:p>
@@ -988,7 +1011,7 @@
           <a:p>
             <a:fld id="{053F5D8B-B79B-4C2F-9924-2EB5DE2C0023}" type="datetimeFigureOut">
               <a:rPr lang="en-GB" smtClean="0"/>
-              <a:t>17/01/2024</a:t>
+              <a:t>18/01/2024</a:t>
             </a:fld>
             <a:endParaRPr lang="en-GB"/>
           </a:p>
@@ -1198,7 +1221,7 @@
           <a:p>
             <a:fld id="{053F5D8B-B79B-4C2F-9924-2EB5DE2C0023}" type="datetimeFigureOut">
               <a:rPr lang="en-GB" smtClean="0"/>
-              <a:t>17/01/2024</a:t>
+              <a:t>18/01/2024</a:t>
             </a:fld>
             <a:endParaRPr lang="en-GB"/>
           </a:p>
@@ -1398,7 +1421,7 @@
           <a:p>
             <a:fld id="{053F5D8B-B79B-4C2F-9924-2EB5DE2C0023}" type="datetimeFigureOut">
               <a:rPr lang="en-GB" smtClean="0"/>
-              <a:t>17/01/2024</a:t>
+              <a:t>18/01/2024</a:t>
             </a:fld>
             <a:endParaRPr lang="en-GB"/>
           </a:p>
@@ -1674,7 +1697,7 @@
           <a:p>
             <a:fld id="{053F5D8B-B79B-4C2F-9924-2EB5DE2C0023}" type="datetimeFigureOut">
               <a:rPr lang="en-GB" smtClean="0"/>
-              <a:t>17/01/2024</a:t>
+              <a:t>18/01/2024</a:t>
             </a:fld>
             <a:endParaRPr lang="en-GB"/>
           </a:p>
@@ -1942,7 +1965,7 @@
           <a:p>
             <a:fld id="{053F5D8B-B79B-4C2F-9924-2EB5DE2C0023}" type="datetimeFigureOut">
               <a:rPr lang="en-GB" smtClean="0"/>
-              <a:t>17/01/2024</a:t>
+              <a:t>18/01/2024</a:t>
             </a:fld>
             <a:endParaRPr lang="en-GB"/>
           </a:p>
@@ -2357,7 +2380,7 @@
           <a:p>
             <a:fld id="{053F5D8B-B79B-4C2F-9924-2EB5DE2C0023}" type="datetimeFigureOut">
               <a:rPr lang="en-GB" smtClean="0"/>
-              <a:t>17/01/2024</a:t>
+              <a:t>18/01/2024</a:t>
             </a:fld>
             <a:endParaRPr lang="en-GB"/>
           </a:p>
@@ -2499,7 +2522,7 @@
           <a:p>
             <a:fld id="{053F5D8B-B79B-4C2F-9924-2EB5DE2C0023}" type="datetimeFigureOut">
               <a:rPr lang="en-GB" smtClean="0"/>
-              <a:t>17/01/2024</a:t>
+              <a:t>18/01/2024</a:t>
             </a:fld>
             <a:endParaRPr lang="en-GB"/>
           </a:p>
@@ -2612,7 +2635,7 @@
           <a:p>
             <a:fld id="{053F5D8B-B79B-4C2F-9924-2EB5DE2C0023}" type="datetimeFigureOut">
               <a:rPr lang="en-GB" smtClean="0"/>
-              <a:t>17/01/2024</a:t>
+              <a:t>18/01/2024</a:t>
             </a:fld>
             <a:endParaRPr lang="en-GB"/>
           </a:p>
@@ -2925,7 +2948,7 @@
           <a:p>
             <a:fld id="{053F5D8B-B79B-4C2F-9924-2EB5DE2C0023}" type="datetimeFigureOut">
               <a:rPr lang="en-GB" smtClean="0"/>
-              <a:t>17/01/2024</a:t>
+              <a:t>18/01/2024</a:t>
             </a:fld>
             <a:endParaRPr lang="en-GB"/>
           </a:p>
@@ -3214,7 +3237,7 @@
           <a:p>
             <a:fld id="{053F5D8B-B79B-4C2F-9924-2EB5DE2C0023}" type="datetimeFigureOut">
               <a:rPr lang="en-GB" smtClean="0"/>
-              <a:t>17/01/2024</a:t>
+              <a:t>18/01/2024</a:t>
             </a:fld>
             <a:endParaRPr lang="en-GB"/>
           </a:p>
@@ -3457,7 +3480,7 @@
           <a:p>
             <a:fld id="{053F5D8B-B79B-4C2F-9924-2EB5DE2C0023}" type="datetimeFigureOut">
               <a:rPr lang="en-GB" smtClean="0"/>
-              <a:t>17/01/2024</a:t>
+              <a:t>18/01/2024</a:t>
             </a:fld>
             <a:endParaRPr lang="en-GB"/>
           </a:p>
@@ -3976,7 +3999,7 @@
         </p:blipFill>
         <p:spPr>
           <a:xfrm>
-            <a:off x="514544" y="970273"/>
+            <a:off x="538607" y="970273"/>
             <a:ext cx="10455546" cy="4572396"/>
           </a:xfrm>
           <a:prstGeom prst="rect">
@@ -4272,14 +4295,50 @@
         </p:blipFill>
         <p:spPr>
           <a:xfrm>
-            <a:off x="940623" y="536959"/>
-            <a:ext cx="10310754" cy="5784081"/>
+            <a:off x="1381781" y="520916"/>
+            <a:ext cx="8973398" cy="5033857"/>
           </a:xfrm>
           <a:prstGeom prst="rect">
             <a:avLst/>
           </a:prstGeom>
         </p:spPr>
       </p:pic>
+      <p:sp>
+        <p:nvSpPr>
+          <p:cNvPr id="2" name="TextBox 1">
+            <a:extLst>
+              <a:ext uri="{FF2B5EF4-FFF2-40B4-BE49-F238E27FC236}">
+                <a16:creationId xmlns:a16="http://schemas.microsoft.com/office/drawing/2014/main" id="{66A1866C-35B1-F7F2-1F94-5386C9BBC71B}"/>
+              </a:ext>
+            </a:extLst>
+          </p:cNvPr>
+          <p:cNvSpPr txBox="1"/>
+          <p:nvPr/>
+        </p:nvSpPr>
+        <p:spPr>
+          <a:xfrm>
+            <a:off x="1687901" y="5995358"/>
+            <a:ext cx="8816197" cy="369332"/>
+          </a:xfrm>
+          <a:prstGeom prst="rect">
+            <a:avLst/>
+          </a:prstGeom>
+          <a:noFill/>
+        </p:spPr>
+        <p:txBody>
+          <a:bodyPr wrap="square" rtlCol="0">
+            <a:spAutoFit/>
+          </a:bodyPr>
+          <a:lstStyle/>
+          <a:p>
+            <a:r>
+              <a:rPr lang="en-US"/>
+              <a:t>Approximate linearity in PCA results</a:t>
+            </a:r>
+            <a:endParaRPr lang="en-GB" dirty="0"/>
+          </a:p>
+        </p:txBody>
+      </p:sp>
     </p:spTree>
     <p:extLst>
       <p:ext uri="{BB962C8B-B14F-4D97-AF65-F5344CB8AC3E}">
